--- a/cybersecurity-iacs/slides/delivery/13__Consul.pptx
+++ b/cybersecurity-iacs/slides/delivery/13__Consul.pptx
@@ -1,59 +1,57 @@
 
 <file path=ppt/presentation.xml><?xml version="1.0" encoding="utf-8"?>
-<p:presentation xmlns:a="http://schemas.openxmlformats.org/drawingml/2006/main" xmlns:r="http://schemas.openxmlformats.org/officeDocument/2006/relationships" xmlns:p="http://schemas.openxmlformats.org/presentationml/2006/main" showSpecialPlsOnTitleSld="0" saveSubsetFonts="1" autoCompressPictures="0">
+<p:presentation xmlns:a="http://schemas.openxmlformats.org/drawingml/2006/main" xmlns:r="http://schemas.openxmlformats.org/officeDocument/2006/relationships" xmlns:p="http://schemas.openxmlformats.org/presentationml/2006/main" showSpecialPlsOnTitleSld="0" autoCompressPictures="0">
   <p:sldMasterIdLst>
-    <p:sldMasterId id="2147483651" r:id="rId1"/>
+    <p:sldMasterId id="2147483648" r:id="rId1"/>
   </p:sldMasterIdLst>
   <p:notesMasterIdLst>
-    <p:notesMasterId r:id="rId2"/>
+    <p:notesMasterId r:id="rId6"/>
   </p:notesMasterIdLst>
   <p:handoutMasterIdLst>
-    <p:handoutMasterId r:id="rId3"/>
+    <p:handoutMasterId r:id="rId43"/>
   </p:handoutMasterIdLst>
   <p:sldIdLst>
-    <p:sldId id="256" r:id="rId9"/>
-    <p:sldId id="257" r:id="rId10"/>
-    <p:sldId id="258" r:id="rId11"/>
-    <p:sldId id="259" r:id="rId12"/>
-    <p:sldId id="260" r:id="rId13"/>
-    <p:sldId id="261" r:id="rId14"/>
-    <p:sldId id="262" r:id="rId15"/>
-    <p:sldId id="263" r:id="rId16"/>
-    <p:sldId id="264" r:id="rId17"/>
-    <p:sldId id="265" r:id="rId18"/>
-    <p:sldId id="266" r:id="rId19"/>
-    <p:sldId id="267" r:id="rId20"/>
-    <p:sldId id="268" r:id="rId21"/>
-    <p:sldId id="269" r:id="rId22"/>
-    <p:sldId id="270" r:id="rId23"/>
-    <p:sldId id="271" r:id="rId24"/>
-    <p:sldId id="272" r:id="rId25"/>
-    <p:sldId id="273" r:id="rId26"/>
-    <p:sldId id="274" r:id="rId27"/>
-    <p:sldId id="275" r:id="rId28"/>
-    <p:sldId id="276" r:id="rId29"/>
-    <p:sldId id="277" r:id="rId30"/>
-    <p:sldId id="278" r:id="rId31"/>
-    <p:sldId id="279" r:id="rId32"/>
-    <p:sldId id="280" r:id="rId33"/>
-    <p:sldId id="281" r:id="rId34"/>
-    <p:sldId id="282" r:id="rId35"/>
-    <p:sldId id="283" r:id="rId36"/>
-    <p:sldId id="284" r:id="rId37"/>
-    <p:sldId id="285" r:id="rId38"/>
-    <p:sldId id="286" r:id="rId39"/>
-    <p:sldId id="287" r:id="rId40"/>
-    <p:sldId id="288" r:id="rId41"/>
-    <p:sldId id="289" r:id="rId42"/>
-    <p:sldId id="290" r:id="rId43"/>
-    <p:sldId id="291" r:id="rId44"/>
-    <p:sldId id="292" r:id="rId45"/>
-    <p:sldId id="293" r:id="rId46"/>
-    <p:sldId id="294" r:id="rId47"/>
-    <p:sldId id="295" r:id="rId48"/>
-    <p:sldId id="296" r:id="rId49"/>
+    <p:sldId id="256" r:id="rId3"/>
+    <p:sldId id="257" r:id="rId4"/>
+    <p:sldId id="258" r:id="rId5"/>
+    <p:sldId id="259" r:id="rId7"/>
+    <p:sldId id="260" r:id="rId8"/>
+    <p:sldId id="261" r:id="rId9"/>
+    <p:sldId id="262" r:id="rId10"/>
+    <p:sldId id="263" r:id="rId11"/>
+    <p:sldId id="264" r:id="rId12"/>
+    <p:sldId id="265" r:id="rId13"/>
+    <p:sldId id="266" r:id="rId14"/>
+    <p:sldId id="267" r:id="rId15"/>
+    <p:sldId id="268" r:id="rId16"/>
+    <p:sldId id="269" r:id="rId17"/>
+    <p:sldId id="270" r:id="rId18"/>
+    <p:sldId id="271" r:id="rId19"/>
+    <p:sldId id="272" r:id="rId20"/>
+    <p:sldId id="275" r:id="rId21"/>
+    <p:sldId id="276" r:id="rId22"/>
+    <p:sldId id="277" r:id="rId23"/>
+    <p:sldId id="278" r:id="rId24"/>
+    <p:sldId id="279" r:id="rId25"/>
+    <p:sldId id="280" r:id="rId26"/>
+    <p:sldId id="281" r:id="rId27"/>
+    <p:sldId id="282" r:id="rId28"/>
+    <p:sldId id="283" r:id="rId29"/>
+    <p:sldId id="284" r:id="rId30"/>
+    <p:sldId id="285" r:id="rId31"/>
+    <p:sldId id="286" r:id="rId32"/>
+    <p:sldId id="287" r:id="rId33"/>
+    <p:sldId id="288" r:id="rId34"/>
+    <p:sldId id="289" r:id="rId35"/>
+    <p:sldId id="290" r:id="rId36"/>
+    <p:sldId id="291" r:id="rId37"/>
+    <p:sldId id="292" r:id="rId38"/>
+    <p:sldId id="293" r:id="rId39"/>
+    <p:sldId id="294" r:id="rId40"/>
+    <p:sldId id="295" r:id="rId41"/>
+    <p:sldId id="296" r:id="rId42"/>
   </p:sldIdLst>
-  <p:sldSz cx="9372600" cy="8297863"/>
+  <p:sldSz cx="9372600" cy="8297545"/>
   <p:notesSz cx="7315200" cy="9601200"/>
   <p:defaultTextStyle>
     <a:defPPr>
@@ -71,8 +69,8 @@
           <a:schemeClr val="tx1"/>
         </a:solidFill>
         <a:latin typeface="Garamond" pitchFamily="18" charset="0"/>
-        <a:ea typeface="ＭＳ Ｐゴシック"/>
-        <a:cs typeface="ＭＳ Ｐゴシック"/>
+        <a:ea typeface="MS PGothic"/>
+        <a:cs typeface="MS PGothic"/>
       </a:defRPr>
     </a:lvl1pPr>
     <a:lvl2pPr marL="457200" algn="l" rtl="0" fontAlgn="base">
@@ -87,8 +85,8 @@
           <a:schemeClr val="tx1"/>
         </a:solidFill>
         <a:latin typeface="Garamond" pitchFamily="18" charset="0"/>
-        <a:ea typeface="ＭＳ Ｐゴシック"/>
-        <a:cs typeface="ＭＳ Ｐゴシック"/>
+        <a:ea typeface="MS PGothic"/>
+        <a:cs typeface="MS PGothic"/>
       </a:defRPr>
     </a:lvl2pPr>
     <a:lvl3pPr marL="914400" algn="l" rtl="0" fontAlgn="base">
@@ -103,8 +101,8 @@
           <a:schemeClr val="tx1"/>
         </a:solidFill>
         <a:latin typeface="Garamond" pitchFamily="18" charset="0"/>
-        <a:ea typeface="ＭＳ Ｐゴシック"/>
-        <a:cs typeface="ＭＳ Ｐゴシック"/>
+        <a:ea typeface="MS PGothic"/>
+        <a:cs typeface="MS PGothic"/>
       </a:defRPr>
     </a:lvl3pPr>
     <a:lvl4pPr marL="1371600" algn="l" rtl="0" fontAlgn="base">
@@ -119,8 +117,8 @@
           <a:schemeClr val="tx1"/>
         </a:solidFill>
         <a:latin typeface="Garamond" pitchFamily="18" charset="0"/>
-        <a:ea typeface="ＭＳ Ｐゴシック"/>
-        <a:cs typeface="ＭＳ Ｐゴシック"/>
+        <a:ea typeface="MS PGothic"/>
+        <a:cs typeface="MS PGothic"/>
       </a:defRPr>
     </a:lvl4pPr>
     <a:lvl5pPr marL="1828800" algn="l" rtl="0" fontAlgn="base">
@@ -135,8 +133,8 @@
           <a:schemeClr val="tx1"/>
         </a:solidFill>
         <a:latin typeface="Garamond" pitchFamily="18" charset="0"/>
-        <a:ea typeface="ＭＳ Ｐゴシック"/>
-        <a:cs typeface="ＭＳ Ｐゴシック"/>
+        <a:ea typeface="MS PGothic"/>
+        <a:cs typeface="MS PGothic"/>
       </a:defRPr>
     </a:lvl5pPr>
     <a:lvl6pPr marL="2286000" algn="l" defTabSz="914400" rtl="0" eaLnBrk="1" latinLnBrk="0" hangingPunct="1">
@@ -145,8 +143,8 @@
           <a:schemeClr val="tx1"/>
         </a:solidFill>
         <a:latin typeface="Garamond" pitchFamily="18" charset="0"/>
-        <a:ea typeface="ＭＳ Ｐゴシック"/>
-        <a:cs typeface="ＭＳ Ｐゴシック"/>
+        <a:ea typeface="MS PGothic"/>
+        <a:cs typeface="MS PGothic"/>
       </a:defRPr>
     </a:lvl6pPr>
     <a:lvl7pPr marL="2743200" algn="l" defTabSz="914400" rtl="0" eaLnBrk="1" latinLnBrk="0" hangingPunct="1">
@@ -155,8 +153,8 @@
           <a:schemeClr val="tx1"/>
         </a:solidFill>
         <a:latin typeface="Garamond" pitchFamily="18" charset="0"/>
-        <a:ea typeface="ＭＳ Ｐゴシック"/>
-        <a:cs typeface="ＭＳ Ｐゴシック"/>
+        <a:ea typeface="MS PGothic"/>
+        <a:cs typeface="MS PGothic"/>
       </a:defRPr>
     </a:lvl7pPr>
     <a:lvl8pPr marL="3200400" algn="l" defTabSz="914400" rtl="0" eaLnBrk="1" latinLnBrk="0" hangingPunct="1">
@@ -165,8 +163,8 @@
           <a:schemeClr val="tx1"/>
         </a:solidFill>
         <a:latin typeface="Garamond" pitchFamily="18" charset="0"/>
-        <a:ea typeface="ＭＳ Ｐゴシック"/>
-        <a:cs typeface="ＭＳ Ｐゴシック"/>
+        <a:ea typeface="MS PGothic"/>
+        <a:cs typeface="MS PGothic"/>
       </a:defRPr>
     </a:lvl8pPr>
     <a:lvl9pPr marL="3657600" algn="l" defTabSz="914400" rtl="0" eaLnBrk="1" latinLnBrk="0" hangingPunct="1">
@@ -175,41 +173,11 @@
           <a:schemeClr val="tx1"/>
         </a:solidFill>
         <a:latin typeface="Garamond" pitchFamily="18" charset="0"/>
-        <a:ea typeface="ＭＳ Ｐゴシック"/>
-        <a:cs typeface="ＭＳ Ｐゴシック"/>
+        <a:ea typeface="MS PGothic"/>
+        <a:cs typeface="MS PGothic"/>
       </a:defRPr>
     </a:lvl9pPr>
   </p:defaultTextStyle>
-  <p:extLst>
-    <p:ext uri="{EFAFB233-063F-42B5-8137-9DF3F51BA10A}">
-      <p15:sldGuideLst xmlns:p15="http://schemas.microsoft.com/office/powerpoint/2012/main">
-        <p15:guide id="1" orient="horz" pos="2614" userDrawn="1">
-          <p15:clr>
-            <a:srgbClr val="A4A3A4"/>
-          </p15:clr>
-        </p15:guide>
-        <p15:guide id="2" pos="2952" userDrawn="1">
-          <p15:clr>
-            <a:srgbClr val="A4A3A4"/>
-          </p15:clr>
-        </p15:guide>
-      </p15:sldGuideLst>
-    </p:ext>
-    <p:ext uri="{2D200454-40CA-4A62-9FC3-DE9A4176ACB9}">
-      <p15:notesGuideLst xmlns:p15="http://schemas.microsoft.com/office/powerpoint/2012/main">
-        <p15:guide id="1" orient="horz" pos="3024">
-          <p15:clr>
-            <a:srgbClr val="A4A3A4"/>
-          </p15:clr>
-        </p15:guide>
-        <p15:guide id="2" pos="2308">
-          <p15:clr>
-            <a:srgbClr val="A4A3A4"/>
-          </p15:clr>
-        </p15:guide>
-      </p15:notesGuideLst>
-    </p:ext>
-  </p:extLst>
 </p:presentation>
 </file>
 
@@ -219,9 +187,7 @@
   <p:cmAuthor id="2" name="Mark Kerzner" initials="MK" lastIdx="6" clrIdx="1"/>
   <p:cmAuthor id="3" name="Mary Beth Conlee" initials="MBC" lastIdx="7" clrIdx="2"/>
   <p:cmAuthor id="4" name="Michelle" initials="M" lastIdx="5" clrIdx="3"/>
-  <p:cmAuthor id="5" name="Tricia Murphy" initials="TM" lastIdx="4" clrIdx="4">
-    <p:extLst/>
-  </p:cmAuthor>
+  <p:cmAuthor id="5" name="Tricia Murphy" initials="TM" lastIdx="4" clrIdx="4"/>
 </p:cmAuthorLst>
 </file>
 
@@ -272,20 +238,14 @@
           <a:ln w="9525">
             <a:noFill/>
             <a:miter lim="800000"/>
-            <a:headEnd/>
-            <a:tailEnd/>
           </a:ln>
         </p:spPr>
         <p:txBody>
-          <a:bodyPr vert="horz" wrap="square" lIns="96603" tIns="48303" rIns="96603" bIns="48303" numCol="1" anchor="b" anchorCtr="0" compatLnSpc="1">
-            <a:prstTxWarp prst="textNoShape">
-              <a:avLst/>
-            </a:prstTxWarp>
-          </a:bodyPr>
+          <a:bodyPr vert="horz" wrap="square" lIns="96603" tIns="48303" rIns="96603" bIns="48303" numCol="1" anchor="b" anchorCtr="0" compatLnSpc="1"/>
           <a:lstStyle>
             <a:lvl1pPr defTabSz="965200">
               <a:defRPr sz="1200">
-                <a:latin typeface="Times New Roman" pitchFamily="18" charset="0"/>
+                <a:latin typeface="Times New Roman" panose="02020603050405020304" pitchFamily="-110" charset="0"/>
               </a:defRPr>
             </a:lvl1pPr>
           </a:lstStyle>
@@ -297,6 +257,7 @@
               <a:rPr lang="en-US" dirty="0"/>
               <a:t>Copyright © 2017 Elephant Scale. All rights reserved.</a:t>
             </a:r>
+            <a:endParaRPr lang="en-US" dirty="0"/>
           </a:p>
         </p:txBody>
       </p:sp>
@@ -322,20 +283,14 @@
           <a:ln w="9525">
             <a:noFill/>
             <a:miter lim="800000"/>
-            <a:headEnd/>
-            <a:tailEnd/>
           </a:ln>
         </p:spPr>
         <p:txBody>
-          <a:bodyPr vert="horz" wrap="square" lIns="96603" tIns="48303" rIns="96603" bIns="48303" numCol="1" anchor="b" anchorCtr="0" compatLnSpc="1">
-            <a:prstTxWarp prst="textNoShape">
-              <a:avLst/>
-            </a:prstTxWarp>
-          </a:bodyPr>
+          <a:bodyPr vert="horz" wrap="square" lIns="96603" tIns="48303" rIns="96603" bIns="48303" numCol="1" anchor="b" anchorCtr="0" compatLnSpc="1"/>
           <a:lstStyle>
             <a:lvl1pPr algn="r" defTabSz="965200">
               <a:defRPr sz="1200">
-                <a:latin typeface="Times New Roman" pitchFamily="18" charset="0"/>
+                <a:latin typeface="Times New Roman" panose="02020603050405020304" pitchFamily="-110" charset="0"/>
               </a:defRPr>
             </a:lvl1pPr>
           </a:lstStyle>
@@ -345,21 +300,12 @@
             </a:pPr>
             <a:fld id="{97E62689-8C7D-4291-A094-4E689FEC4C3B}" type="slidenum">
               <a:rPr lang="en-US"/>
-              <a:pPr>
-                <a:defRPr/>
-              </a:pPr>
-              <a:t>‹#›</a:t>
             </a:fld>
             <a:endParaRPr lang="en-US" dirty="0"/>
           </a:p>
         </p:txBody>
       </p:sp>
     </p:spTree>
-    <p:extLst>
-      <p:ext uri="{BB962C8B-B14F-4D97-AF65-F5344CB8AC3E}">
-        <p14:creationId xmlns:p14="http://schemas.microsoft.com/office/powerpoint/2010/main" val="3239291525"/>
-      </p:ext>
-    </p:extLst>
   </p:cSld>
   <p:clrMap bg1="lt1" tx1="dk1" bg2="lt2" tx2="dk2" accent1="accent1" accent2="accent2" accent3="accent3" accent4="accent4" accent5="accent5" accent6="accent6" hlink="hlink" folHlink="folHlink"/>
   <p:hf hdr="0" ftr="0" dt="0"/>
@@ -415,8 +361,6 @@
               <a:srgbClr val="000000"/>
             </a:solidFill>
             <a:miter lim="800000"/>
-            <a:headEnd/>
-            <a:tailEnd/>
           </a:ln>
         </p:spPr>
       </p:sp>
@@ -442,21 +386,15 @@
           <a:ln w="9525">
             <a:noFill/>
             <a:miter lim="800000"/>
-            <a:headEnd/>
-            <a:tailEnd/>
           </a:ln>
           <a:effectLst/>
         </p:spPr>
         <p:txBody>
-          <a:bodyPr vert="horz" wrap="square" lIns="0" tIns="0" rIns="0" bIns="0" numCol="1" anchor="b" anchorCtr="1" compatLnSpc="1">
-            <a:prstTxWarp prst="textNoShape">
-              <a:avLst/>
-            </a:prstTxWarp>
-          </a:bodyPr>
+          <a:bodyPr vert="horz" wrap="square" lIns="0" tIns="0" rIns="0" bIns="0" numCol="1" anchor="b" anchorCtr="1" compatLnSpc="1"/>
           <a:lstStyle>
             <a:lvl1pPr algn="ctr" defTabSz="965200" eaLnBrk="0" hangingPunct="0">
               <a:defRPr sz="900">
-                <a:latin typeface="Arial" charset="0"/>
+                <a:latin typeface="Arial" panose="020B0604020202020204" pitchFamily="34" charset="0"/>
               </a:defRPr>
             </a:lvl1pPr>
           </a:lstStyle>
@@ -468,6 +406,7 @@
               <a:rPr lang="en-US" dirty="0"/>
               <a:t>Copyright © 2017 Elephant Scale. All rights reserved.</a:t>
             </a:r>
+            <a:endParaRPr lang="en-US" dirty="0"/>
           </a:p>
         </p:txBody>
       </p:sp>
@@ -493,21 +432,15 @@
           <a:ln w="9525">
             <a:noFill/>
             <a:miter lim="800000"/>
-            <a:headEnd/>
-            <a:tailEnd/>
           </a:ln>
           <a:effectLst/>
         </p:spPr>
         <p:txBody>
-          <a:bodyPr vert="horz" wrap="square" lIns="0" tIns="0" rIns="0" bIns="0" numCol="1" anchor="b" anchorCtr="0" compatLnSpc="1">
-            <a:prstTxWarp prst="textNoShape">
-              <a:avLst/>
-            </a:prstTxWarp>
-          </a:bodyPr>
+          <a:bodyPr vert="horz" wrap="square" lIns="0" tIns="0" rIns="0" bIns="0" numCol="1" anchor="b" anchorCtr="0" compatLnSpc="1"/>
           <a:lstStyle>
             <a:lvl1pPr algn="r" defTabSz="965200" eaLnBrk="0" hangingPunct="0">
               <a:defRPr b="1">
-                <a:latin typeface="Arial" charset="0"/>
+                <a:latin typeface="Arial" panose="020B0604020202020204" pitchFamily="34" charset="0"/>
               </a:defRPr>
             </a:lvl1pPr>
           </a:lstStyle>
@@ -517,10 +450,6 @@
             </a:pPr>
             <a:fld id="{EFAADD5D-AF76-45EE-AA5F-6DAC73BF167A}" type="slidenum">
               <a:rPr lang="en-US"/>
-              <a:pPr>
-                <a:defRPr/>
-              </a:pPr>
-              <a:t>‹#›</a:t>
             </a:fld>
             <a:endParaRPr lang="en-US" dirty="0"/>
           </a:p>
@@ -546,24 +475,26 @@
           <a:ln w="9525">
             <a:noFill/>
             <a:miter lim="800000"/>
-            <a:headEnd/>
-            <a:tailEnd/>
           </a:ln>
         </p:spPr>
         <p:txBody>
           <a:bodyPr wrap="none" lIns="96386" tIns="48194" rIns="96386" bIns="48194"/>
           <a:lstStyle/>
           <a:p>
-            <a:pPr defTabSz="960438">
+            <a:pPr defTabSz="960755">
               <a:defRPr/>
             </a:pPr>
             <a:r>
               <a:rPr lang="en-US" sz="1200" b="1" u="sng" dirty="0">
-                <a:latin typeface="Times New Roman" pitchFamily="18" charset="0"/>
-                <a:cs typeface="Times New Roman" pitchFamily="18" charset="0"/>
+                <a:latin typeface="Times New Roman" panose="02020603050405020304" pitchFamily="-110" charset="0"/>
+                <a:cs typeface="Times New Roman" panose="02020603050405020304" pitchFamily="-110" charset="0"/>
               </a:rPr>
               <a:t>Notes:</a:t>
             </a:r>
+            <a:endParaRPr lang="en-US" sz="1200" b="1" u="sng" dirty="0">
+              <a:latin typeface="Times New Roman" panose="02020603050405020304" pitchFamily="-110" charset="0"/>
+              <a:cs typeface="Times New Roman" panose="02020603050405020304" pitchFamily="-110" charset="0"/>
+            </a:endParaRPr>
           </a:p>
         </p:txBody>
       </p:sp>
@@ -589,16 +520,10 @@
           <a:ln w="9525">
             <a:noFill/>
             <a:miter lim="800000"/>
-            <a:headEnd/>
-            <a:tailEnd/>
           </a:ln>
         </p:spPr>
         <p:txBody>
-          <a:bodyPr vert="horz" wrap="square" lIns="91537" tIns="45768" rIns="91537" bIns="45768" numCol="1" anchor="t" anchorCtr="0" compatLnSpc="1">
-            <a:prstTxWarp prst="textNoShape">
-              <a:avLst/>
-            </a:prstTxWarp>
-          </a:bodyPr>
+          <a:bodyPr vert="horz" wrap="square" lIns="91537" tIns="45768" rIns="91537" bIns="45768" numCol="1" anchor="t" anchorCtr="0" compatLnSpc="1"/>
           <a:lstStyle/>
           <a:p>
             <a:pPr lvl="0"/>
@@ -628,8 +553,6 @@
               <a:srgbClr val="000000"/>
             </a:solidFill>
             <a:round/>
-            <a:headEnd/>
-            <a:tailEnd/>
           </a:ln>
           <a:effectLst/>
         </p:spPr>
@@ -644,7 +567,7 @@
               <a:defRPr/>
             </a:pPr>
             <a:endParaRPr lang="en-US" dirty="0">
-              <a:latin typeface="Garamond" pitchFamily="-110" charset="0"/>
+              <a:latin typeface="Garamond" pitchFamily="18" charset="0"/>
               <a:ea typeface="+mn-ea"/>
               <a:cs typeface="+mn-cs"/>
             </a:endParaRPr>
@@ -652,11 +575,6 @@
         </p:txBody>
       </p:sp>
     </p:spTree>
-    <p:extLst>
-      <p:ext uri="{BB962C8B-B14F-4D97-AF65-F5344CB8AC3E}">
-        <p14:creationId xmlns:p14="http://schemas.microsoft.com/office/powerpoint/2010/main" val="953744030"/>
-      </p:ext>
-    </p:extLst>
   </p:cSld>
   <p:clrMap bg1="lt1" tx1="dk1" bg2="lt2" tx2="dk2" accent1="accent1" accent2="accent2" accent3="accent3" accent4="accent4" accent5="accent5" accent6="accent6" hlink="hlink" folHlink="folHlink"/>
   <p:hf dt="0"/>
@@ -669,15 +587,15 @@
         <a:spcPct val="0"/>
       </a:spcAft>
       <a:buSzPct val="65000"/>
-      <a:buFont typeface="Wingdings" pitchFamily="2" charset="2"/>
+      <a:buFont typeface="Wingdings" panose="05000000000000000000" pitchFamily="2" charset="2"/>
       <a:buNone/>
       <a:defRPr sz="1200" kern="1200">
         <a:solidFill>
           <a:schemeClr val="tx1"/>
         </a:solidFill>
-        <a:latin typeface="Times New Roman" pitchFamily="-110" charset="0"/>
-        <a:ea typeface="ＭＳ Ｐゴシック" pitchFamily="-110" charset="-128"/>
-        <a:cs typeface="ＭＳ Ｐゴシック" pitchFamily="-110" charset="-128"/>
+        <a:latin typeface="Times New Roman" panose="02020603050405020304" pitchFamily="-110" charset="0"/>
+        <a:ea typeface="MS PGothic" pitchFamily="-110" charset="-128"/>
+        <a:cs typeface="MS PGothic" pitchFamily="-110" charset="-128"/>
       </a:defRPr>
     </a:lvl1pPr>
     <a:lvl2pPr marL="282575" indent="0" algn="l" rtl="0" eaLnBrk="0" fontAlgn="base" hangingPunct="0">
@@ -692,12 +610,12 @@
         <a:solidFill>
           <a:schemeClr val="tx1"/>
         </a:solidFill>
-        <a:latin typeface="Times New Roman" pitchFamily="-110" charset="0"/>
-        <a:ea typeface="ＭＳ Ｐゴシック" pitchFamily="-110" charset="-128"/>
-        <a:cs typeface="ＭＳ Ｐゴシック"/>
+        <a:latin typeface="Times New Roman" panose="02020603050405020304" pitchFamily="-110" charset="0"/>
+        <a:ea typeface="MS PGothic" pitchFamily="-110" charset="-128"/>
+        <a:cs typeface="MS PGothic"/>
       </a:defRPr>
     </a:lvl2pPr>
-    <a:lvl3pPr marL="744538" indent="-173038" algn="l" rtl="0" eaLnBrk="0" fontAlgn="base" hangingPunct="0">
+    <a:lvl3pPr marL="744855" indent="-173355" algn="l" rtl="0" eaLnBrk="0" fontAlgn="base" hangingPunct="0">
       <a:spcBef>
         <a:spcPct val="30000"/>
       </a:spcBef>
@@ -709,9 +627,9 @@
         <a:solidFill>
           <a:schemeClr val="tx1"/>
         </a:solidFill>
-        <a:latin typeface="Times New Roman" pitchFamily="-110" charset="0"/>
-        <a:ea typeface="ＭＳ Ｐゴシック" pitchFamily="-110" charset="-128"/>
-        <a:cs typeface="ＭＳ Ｐゴシック"/>
+        <a:latin typeface="Times New Roman" panose="02020603050405020304" pitchFamily="-110" charset="0"/>
+        <a:ea typeface="MS PGothic" pitchFamily="-110" charset="-128"/>
+        <a:cs typeface="MS PGothic"/>
       </a:defRPr>
     </a:lvl3pPr>
     <a:lvl4pPr marL="1600200" indent="-228600" algn="l" rtl="0" eaLnBrk="0" fontAlgn="base" hangingPunct="0">
@@ -725,9 +643,9 @@
         <a:solidFill>
           <a:schemeClr val="tx1"/>
         </a:solidFill>
-        <a:latin typeface="Times New Roman" pitchFamily="-110" charset="0"/>
-        <a:ea typeface="ＭＳ Ｐゴシック" pitchFamily="-110" charset="-128"/>
-        <a:cs typeface="ＭＳ Ｐゴシック"/>
+        <a:latin typeface="Times New Roman" panose="02020603050405020304" pitchFamily="-110" charset="0"/>
+        <a:ea typeface="MS PGothic" pitchFamily="-110" charset="-128"/>
+        <a:cs typeface="MS PGothic"/>
       </a:defRPr>
     </a:lvl4pPr>
     <a:lvl5pPr marL="2057400" indent="-228600" algn="l" rtl="0" eaLnBrk="0" fontAlgn="base" hangingPunct="0">
@@ -741,9 +659,9 @@
         <a:solidFill>
           <a:schemeClr val="tx1"/>
         </a:solidFill>
-        <a:latin typeface="Times New Roman" pitchFamily="-110" charset="0"/>
-        <a:ea typeface="ＭＳ Ｐゴシック" pitchFamily="-110" charset="-128"/>
-        <a:cs typeface="ＭＳ Ｐゴシック"/>
+        <a:latin typeface="Times New Roman" panose="02020603050405020304" pitchFamily="-110" charset="0"/>
+        <a:ea typeface="MS PGothic" pitchFamily="-110" charset="-128"/>
+        <a:cs typeface="MS PGothic"/>
       </a:defRPr>
     </a:lvl5pPr>
     <a:lvl6pPr marL="2286000" algn="l" defTabSz="457200" rtl="0" eaLnBrk="1" latinLnBrk="0" hangingPunct="1">
@@ -791,7 +709,7 @@
 </file>
 
 <file path=ppt/notesSlides/notesSlide1.xml><?xml version="1.0" encoding="utf-8"?>
-<p:notes xmlns:a="http://schemas.openxmlformats.org/drawingml/2006/main" xmlns:p="http://schemas.openxmlformats.org/presentationml/2006/main" xmlns:r="http://schemas.openxmlformats.org/officeDocument/2006/relationships">
+<p:notes xmlns:a="http://schemas.openxmlformats.org/drawingml/2006/main" xmlns:r="http://schemas.openxmlformats.org/officeDocument/2006/relationships" xmlns:p="http://schemas.openxmlformats.org/presentationml/2006/main">
   <p:cSld>
     <p:spTree>
       <p:nvGrpSpPr>
@@ -826,7 +744,7 @@
             <a:spLocks noGrp="1"/>
           </p:cNvSpPr>
           <p:nvPr>
-            <p:ph type="sldNum" idx="5" sz="quarter"/>
+            <p:ph type="sldNum" sz="quarter" idx="5"/>
           </p:nvPr>
         </p:nvSpPr>
         <p:spPr/>
@@ -838,7 +756,7 @@
             <a:spLocks noGrp="1"/>
           </p:cNvSpPr>
           <p:nvPr>
-            <p:ph type="body" idx="3" sz="quarter"/>
+            <p:ph type="body" sz="quarter" idx="3"/>
           </p:nvPr>
         </p:nvSpPr>
         <p:spPr/>
@@ -875,7 +793,7 @@
 </file>
 
 <file path=ppt/notesSlides/notesSlide10.xml><?xml version="1.0" encoding="utf-8"?>
-<p:notes xmlns:a="http://schemas.openxmlformats.org/drawingml/2006/main" xmlns:p="http://schemas.openxmlformats.org/presentationml/2006/main" xmlns:r="http://schemas.openxmlformats.org/officeDocument/2006/relationships">
+<p:notes xmlns:a="http://schemas.openxmlformats.org/drawingml/2006/main" xmlns:r="http://schemas.openxmlformats.org/officeDocument/2006/relationships" xmlns:p="http://schemas.openxmlformats.org/presentationml/2006/main">
   <p:cSld>
     <p:spTree>
       <p:nvGrpSpPr>
@@ -910,7 +828,7 @@
             <a:spLocks noGrp="1"/>
           </p:cNvSpPr>
           <p:nvPr>
-            <p:ph type="sldNum" idx="5" sz="quarter"/>
+            <p:ph type="sldNum" sz="quarter" idx="5"/>
           </p:nvPr>
         </p:nvSpPr>
         <p:spPr/>
@@ -922,7 +840,7 @@
             <a:spLocks noGrp="1"/>
           </p:cNvSpPr>
           <p:nvPr>
-            <p:ph type="body" idx="3" sz="quarter"/>
+            <p:ph type="body" sz="quarter" idx="3"/>
           </p:nvPr>
         </p:nvSpPr>
         <p:spPr/>
@@ -965,7 +883,7 @@
 </file>
 
 <file path=ppt/notesSlides/notesSlide11.xml><?xml version="1.0" encoding="utf-8"?>
-<p:notes xmlns:a="http://schemas.openxmlformats.org/drawingml/2006/main" xmlns:p="http://schemas.openxmlformats.org/presentationml/2006/main" xmlns:r="http://schemas.openxmlformats.org/officeDocument/2006/relationships">
+<p:notes xmlns:a="http://schemas.openxmlformats.org/drawingml/2006/main" xmlns:r="http://schemas.openxmlformats.org/officeDocument/2006/relationships" xmlns:p="http://schemas.openxmlformats.org/presentationml/2006/main">
   <p:cSld>
     <p:spTree>
       <p:nvGrpSpPr>
@@ -1000,7 +918,7 @@
             <a:spLocks noGrp="1"/>
           </p:cNvSpPr>
           <p:nvPr>
-            <p:ph type="sldNum" idx="5" sz="quarter"/>
+            <p:ph type="sldNum" sz="quarter" idx="5"/>
           </p:nvPr>
         </p:nvSpPr>
         <p:spPr/>
@@ -1012,7 +930,7 @@
             <a:spLocks noGrp="1"/>
           </p:cNvSpPr>
           <p:nvPr>
-            <p:ph type="body" idx="3" sz="quarter"/>
+            <p:ph type="body" sz="quarter" idx="3"/>
           </p:nvPr>
         </p:nvSpPr>
         <p:spPr/>
@@ -1071,7 +989,7 @@
 </file>
 
 <file path=ppt/notesSlides/notesSlide12.xml><?xml version="1.0" encoding="utf-8"?>
-<p:notes xmlns:a="http://schemas.openxmlformats.org/drawingml/2006/main" xmlns:p="http://schemas.openxmlformats.org/presentationml/2006/main" xmlns:r="http://schemas.openxmlformats.org/officeDocument/2006/relationships">
+<p:notes xmlns:a="http://schemas.openxmlformats.org/drawingml/2006/main" xmlns:r="http://schemas.openxmlformats.org/officeDocument/2006/relationships" xmlns:p="http://schemas.openxmlformats.org/presentationml/2006/main">
   <p:cSld>
     <p:spTree>
       <p:nvGrpSpPr>
@@ -1106,7 +1024,7 @@
             <a:spLocks noGrp="1"/>
           </p:cNvSpPr>
           <p:nvPr>
-            <p:ph type="sldNum" idx="5" sz="quarter"/>
+            <p:ph type="sldNum" sz="quarter" idx="5"/>
           </p:nvPr>
         </p:nvSpPr>
         <p:spPr/>
@@ -1118,7 +1036,7 @@
             <a:spLocks noGrp="1"/>
           </p:cNvSpPr>
           <p:nvPr>
-            <p:ph type="body" idx="3" sz="quarter"/>
+            <p:ph type="body" sz="quarter" idx="3"/>
           </p:nvPr>
         </p:nvSpPr>
         <p:spPr/>
@@ -1144,7 +1062,7 @@
 </file>
 
 <file path=ppt/notesSlides/notesSlide13.xml><?xml version="1.0" encoding="utf-8"?>
-<p:notes xmlns:a="http://schemas.openxmlformats.org/drawingml/2006/main" xmlns:p="http://schemas.openxmlformats.org/presentationml/2006/main" xmlns:r="http://schemas.openxmlformats.org/officeDocument/2006/relationships">
+<p:notes xmlns:a="http://schemas.openxmlformats.org/drawingml/2006/main" xmlns:r="http://schemas.openxmlformats.org/officeDocument/2006/relationships" xmlns:p="http://schemas.openxmlformats.org/presentationml/2006/main">
   <p:cSld>
     <p:spTree>
       <p:nvGrpSpPr>
@@ -1179,7 +1097,7 @@
             <a:spLocks noGrp="1"/>
           </p:cNvSpPr>
           <p:nvPr>
-            <p:ph type="sldNum" idx="5" sz="quarter"/>
+            <p:ph type="sldNum" sz="quarter" idx="5"/>
           </p:nvPr>
         </p:nvSpPr>
         <p:spPr/>
@@ -1191,7 +1109,7 @@
             <a:spLocks noGrp="1"/>
           </p:cNvSpPr>
           <p:nvPr>
-            <p:ph type="body" idx="3" sz="quarter"/>
+            <p:ph type="body" sz="quarter" idx="3"/>
           </p:nvPr>
         </p:nvSpPr>
         <p:spPr/>
@@ -1224,7 +1142,7 @@
 </file>
 
 <file path=ppt/notesSlides/notesSlide14.xml><?xml version="1.0" encoding="utf-8"?>
-<p:notes xmlns:a="http://schemas.openxmlformats.org/drawingml/2006/main" xmlns:p="http://schemas.openxmlformats.org/presentationml/2006/main" xmlns:r="http://schemas.openxmlformats.org/officeDocument/2006/relationships">
+<p:notes xmlns:a="http://schemas.openxmlformats.org/drawingml/2006/main" xmlns:r="http://schemas.openxmlformats.org/officeDocument/2006/relationships" xmlns:p="http://schemas.openxmlformats.org/presentationml/2006/main">
   <p:cSld>
     <p:spTree>
       <p:nvGrpSpPr>
@@ -1259,7 +1177,7 @@
             <a:spLocks noGrp="1"/>
           </p:cNvSpPr>
           <p:nvPr>
-            <p:ph type="sldNum" idx="5" sz="quarter"/>
+            <p:ph type="sldNum" sz="quarter" idx="5"/>
           </p:nvPr>
         </p:nvSpPr>
         <p:spPr/>
@@ -1271,7 +1189,7 @@
             <a:spLocks noGrp="1"/>
           </p:cNvSpPr>
           <p:nvPr>
-            <p:ph type="body" idx="3" sz="quarter"/>
+            <p:ph type="body" sz="quarter" idx="3"/>
           </p:nvPr>
         </p:nvSpPr>
         <p:spPr/>
@@ -1309,7 +1227,7 @@
 </file>
 
 <file path=ppt/notesSlides/notesSlide15.xml><?xml version="1.0" encoding="utf-8"?>
-<p:notes xmlns:a="http://schemas.openxmlformats.org/drawingml/2006/main" xmlns:p="http://schemas.openxmlformats.org/presentationml/2006/main" xmlns:r="http://schemas.openxmlformats.org/officeDocument/2006/relationships">
+<p:notes xmlns:a="http://schemas.openxmlformats.org/drawingml/2006/main" xmlns:r="http://schemas.openxmlformats.org/officeDocument/2006/relationships" xmlns:p="http://schemas.openxmlformats.org/presentationml/2006/main">
   <p:cSld>
     <p:spTree>
       <p:nvGrpSpPr>
@@ -1344,7 +1262,7 @@
             <a:spLocks noGrp="1"/>
           </p:cNvSpPr>
           <p:nvPr>
-            <p:ph type="sldNum" idx="5" sz="quarter"/>
+            <p:ph type="sldNum" sz="quarter" idx="5"/>
           </p:nvPr>
         </p:nvSpPr>
         <p:spPr/>
@@ -1356,7 +1274,7 @@
             <a:spLocks noGrp="1"/>
           </p:cNvSpPr>
           <p:nvPr>
-            <p:ph type="body" idx="3" sz="quarter"/>
+            <p:ph type="body" sz="quarter" idx="3"/>
           </p:nvPr>
         </p:nvSpPr>
         <p:spPr/>
@@ -1403,7 +1321,7 @@
 </file>
 
 <file path=ppt/notesSlides/notesSlide16.xml><?xml version="1.0" encoding="utf-8"?>
-<p:notes xmlns:a="http://schemas.openxmlformats.org/drawingml/2006/main" xmlns:p="http://schemas.openxmlformats.org/presentationml/2006/main" xmlns:r="http://schemas.openxmlformats.org/officeDocument/2006/relationships">
+<p:notes xmlns:a="http://schemas.openxmlformats.org/drawingml/2006/main" xmlns:r="http://schemas.openxmlformats.org/officeDocument/2006/relationships" xmlns:p="http://schemas.openxmlformats.org/presentationml/2006/main">
   <p:cSld>
     <p:spTree>
       <p:nvGrpSpPr>
@@ -1438,7 +1356,7 @@
             <a:spLocks noGrp="1"/>
           </p:cNvSpPr>
           <p:nvPr>
-            <p:ph type="sldNum" idx="5" sz="quarter"/>
+            <p:ph type="sldNum" sz="quarter" idx="5"/>
           </p:nvPr>
         </p:nvSpPr>
         <p:spPr/>
@@ -1450,7 +1368,7 @@
             <a:spLocks noGrp="1"/>
           </p:cNvSpPr>
           <p:nvPr>
-            <p:ph type="body" idx="3" sz="quarter"/>
+            <p:ph type="body" sz="quarter" idx="3"/>
           </p:nvPr>
         </p:nvSpPr>
         <p:spPr/>
@@ -1488,7 +1406,7 @@
 </file>
 
 <file path=ppt/notesSlides/notesSlide17.xml><?xml version="1.0" encoding="utf-8"?>
-<p:notes xmlns:a="http://schemas.openxmlformats.org/drawingml/2006/main" xmlns:p="http://schemas.openxmlformats.org/presentationml/2006/main" xmlns:r="http://schemas.openxmlformats.org/officeDocument/2006/relationships">
+<p:notes xmlns:a="http://schemas.openxmlformats.org/drawingml/2006/main" xmlns:r="http://schemas.openxmlformats.org/officeDocument/2006/relationships" xmlns:p="http://schemas.openxmlformats.org/presentationml/2006/main">
   <p:cSld>
     <p:spTree>
       <p:nvGrpSpPr>
@@ -1523,7 +1441,7 @@
             <a:spLocks noGrp="1"/>
           </p:cNvSpPr>
           <p:nvPr>
-            <p:ph type="sldNum" idx="5" sz="quarter"/>
+            <p:ph type="sldNum" sz="quarter" idx="5"/>
           </p:nvPr>
         </p:nvSpPr>
         <p:spPr/>
@@ -1535,7 +1453,7 @@
             <a:spLocks noGrp="1"/>
           </p:cNvSpPr>
           <p:nvPr>
-            <p:ph type="body" idx="3" sz="quarter"/>
+            <p:ph type="body" sz="quarter" idx="3"/>
           </p:nvPr>
         </p:nvSpPr>
         <p:spPr/>
@@ -1576,7 +1494,7 @@
 </file>
 
 <file path=ppt/notesSlides/notesSlide18.xml><?xml version="1.0" encoding="utf-8"?>
-<p:notes xmlns:a="http://schemas.openxmlformats.org/drawingml/2006/main" xmlns:p="http://schemas.openxmlformats.org/presentationml/2006/main" xmlns:r="http://schemas.openxmlformats.org/officeDocument/2006/relationships">
+<p:notes xmlns:a="http://schemas.openxmlformats.org/drawingml/2006/main" xmlns:r="http://schemas.openxmlformats.org/officeDocument/2006/relationships" xmlns:p="http://schemas.openxmlformats.org/presentationml/2006/main">
   <p:cSld>
     <p:spTree>
       <p:nvGrpSpPr>
@@ -1611,7 +1529,7 @@
             <a:spLocks noGrp="1"/>
           </p:cNvSpPr>
           <p:nvPr>
-            <p:ph type="sldNum" idx="5" sz="quarter"/>
+            <p:ph type="sldNum" sz="quarter" idx="5"/>
           </p:nvPr>
         </p:nvSpPr>
         <p:spPr/>
@@ -1623,7 +1541,7 @@
             <a:spLocks noGrp="1"/>
           </p:cNvSpPr>
           <p:nvPr>
-            <p:ph type="body" idx="3" sz="quarter"/>
+            <p:ph type="body" sz="quarter" idx="3"/>
           </p:nvPr>
         </p:nvSpPr>
         <p:spPr/>
@@ -1649,7 +1567,7 @@
 </file>
 
 <file path=ppt/notesSlides/notesSlide19.xml><?xml version="1.0" encoding="utf-8"?>
-<p:notes xmlns:a="http://schemas.openxmlformats.org/drawingml/2006/main" xmlns:p="http://schemas.openxmlformats.org/presentationml/2006/main" xmlns:r="http://schemas.openxmlformats.org/officeDocument/2006/relationships">
+<p:notes xmlns:a="http://schemas.openxmlformats.org/drawingml/2006/main" xmlns:r="http://schemas.openxmlformats.org/officeDocument/2006/relationships" xmlns:p="http://schemas.openxmlformats.org/presentationml/2006/main">
   <p:cSld>
     <p:spTree>
       <p:nvGrpSpPr>
@@ -1684,7 +1602,7 @@
             <a:spLocks noGrp="1"/>
           </p:cNvSpPr>
           <p:nvPr>
-            <p:ph type="sldNum" idx="5" sz="quarter"/>
+            <p:ph type="sldNum" sz="quarter" idx="5"/>
           </p:nvPr>
         </p:nvSpPr>
         <p:spPr/>
@@ -1696,7 +1614,7 @@
             <a:spLocks noGrp="1"/>
           </p:cNvSpPr>
           <p:nvPr>
-            <p:ph type="body" idx="3" sz="quarter"/>
+            <p:ph type="body" sz="quarter" idx="3"/>
           </p:nvPr>
         </p:nvSpPr>
         <p:spPr/>
@@ -1737,7 +1655,7 @@
 </file>
 
 <file path=ppt/notesSlides/notesSlide2.xml><?xml version="1.0" encoding="utf-8"?>
-<p:notes xmlns:a="http://schemas.openxmlformats.org/drawingml/2006/main" xmlns:p="http://schemas.openxmlformats.org/presentationml/2006/main" xmlns:r="http://schemas.openxmlformats.org/officeDocument/2006/relationships">
+<p:notes xmlns:a="http://schemas.openxmlformats.org/drawingml/2006/main" xmlns:r="http://schemas.openxmlformats.org/officeDocument/2006/relationships" xmlns:p="http://schemas.openxmlformats.org/presentationml/2006/main">
   <p:cSld>
     <p:spTree>
       <p:nvGrpSpPr>
@@ -1772,7 +1690,7 @@
             <a:spLocks noGrp="1"/>
           </p:cNvSpPr>
           <p:nvPr>
-            <p:ph type="sldNum" idx="5" sz="quarter"/>
+            <p:ph type="sldNum" sz="quarter" idx="5"/>
           </p:nvPr>
         </p:nvSpPr>
         <p:spPr/>
@@ -1784,7 +1702,7 @@
             <a:spLocks noGrp="1"/>
           </p:cNvSpPr>
           <p:nvPr>
-            <p:ph type="body" idx="3" sz="quarter"/>
+            <p:ph type="body" sz="quarter" idx="3"/>
           </p:nvPr>
         </p:nvSpPr>
         <p:spPr/>
@@ -1810,7 +1728,7 @@
 </file>
 
 <file path=ppt/notesSlides/notesSlide20.xml><?xml version="1.0" encoding="utf-8"?>
-<p:notes xmlns:a="http://schemas.openxmlformats.org/drawingml/2006/main" xmlns:p="http://schemas.openxmlformats.org/presentationml/2006/main" xmlns:r="http://schemas.openxmlformats.org/officeDocument/2006/relationships">
+<p:notes xmlns:a="http://schemas.openxmlformats.org/drawingml/2006/main" xmlns:r="http://schemas.openxmlformats.org/officeDocument/2006/relationships" xmlns:p="http://schemas.openxmlformats.org/presentationml/2006/main">
   <p:cSld>
     <p:spTree>
       <p:nvGrpSpPr>
@@ -1845,7 +1763,7 @@
             <a:spLocks noGrp="1"/>
           </p:cNvSpPr>
           <p:nvPr>
-            <p:ph type="sldNum" idx="5" sz="quarter"/>
+            <p:ph type="sldNum" sz="quarter" idx="5"/>
           </p:nvPr>
         </p:nvSpPr>
         <p:spPr/>
@@ -1857,7 +1775,7 @@
             <a:spLocks noGrp="1"/>
           </p:cNvSpPr>
           <p:nvPr>
-            <p:ph type="body" idx="3" sz="quarter"/>
+            <p:ph type="body" sz="quarter" idx="3"/>
           </p:nvPr>
         </p:nvSpPr>
         <p:spPr/>
@@ -1886,7 +1804,7 @@
 </file>
 
 <file path=ppt/notesSlides/notesSlide21.xml><?xml version="1.0" encoding="utf-8"?>
-<p:notes xmlns:a="http://schemas.openxmlformats.org/drawingml/2006/main" xmlns:p="http://schemas.openxmlformats.org/presentationml/2006/main" xmlns:r="http://schemas.openxmlformats.org/officeDocument/2006/relationships">
+<p:notes xmlns:a="http://schemas.openxmlformats.org/drawingml/2006/main" xmlns:r="http://schemas.openxmlformats.org/officeDocument/2006/relationships" xmlns:p="http://schemas.openxmlformats.org/presentationml/2006/main">
   <p:cSld>
     <p:spTree>
       <p:nvGrpSpPr>
@@ -1921,7 +1839,7 @@
             <a:spLocks noGrp="1"/>
           </p:cNvSpPr>
           <p:nvPr>
-            <p:ph type="sldNum" idx="5" sz="quarter"/>
+            <p:ph type="sldNum" sz="quarter" idx="5"/>
           </p:nvPr>
         </p:nvSpPr>
         <p:spPr/>
@@ -1933,7 +1851,7 @@
             <a:spLocks noGrp="1"/>
           </p:cNvSpPr>
           <p:nvPr>
-            <p:ph type="body" idx="3" sz="quarter"/>
+            <p:ph type="body" sz="quarter" idx="3"/>
           </p:nvPr>
         </p:nvSpPr>
         <p:spPr/>
@@ -1965,7 +1883,7 @@
 </file>
 
 <file path=ppt/notesSlides/notesSlide22.xml><?xml version="1.0" encoding="utf-8"?>
-<p:notes xmlns:a="http://schemas.openxmlformats.org/drawingml/2006/main" xmlns:p="http://schemas.openxmlformats.org/presentationml/2006/main" xmlns:r="http://schemas.openxmlformats.org/officeDocument/2006/relationships">
+<p:notes xmlns:a="http://schemas.openxmlformats.org/drawingml/2006/main" xmlns:r="http://schemas.openxmlformats.org/officeDocument/2006/relationships" xmlns:p="http://schemas.openxmlformats.org/presentationml/2006/main">
   <p:cSld>
     <p:spTree>
       <p:nvGrpSpPr>
@@ -2000,7 +1918,7 @@
             <a:spLocks noGrp="1"/>
           </p:cNvSpPr>
           <p:nvPr>
-            <p:ph type="sldNum" idx="5" sz="quarter"/>
+            <p:ph type="sldNum" sz="quarter" idx="5"/>
           </p:nvPr>
         </p:nvSpPr>
         <p:spPr/>
@@ -2012,7 +1930,7 @@
             <a:spLocks noGrp="1"/>
           </p:cNvSpPr>
           <p:nvPr>
-            <p:ph type="body" idx="3" sz="quarter"/>
+            <p:ph type="body" sz="quarter" idx="3"/>
           </p:nvPr>
         </p:nvSpPr>
         <p:spPr/>
@@ -2050,7 +1968,7 @@
 </file>
 
 <file path=ppt/notesSlides/notesSlide23.xml><?xml version="1.0" encoding="utf-8"?>
-<p:notes xmlns:a="http://schemas.openxmlformats.org/drawingml/2006/main" xmlns:p="http://schemas.openxmlformats.org/presentationml/2006/main" xmlns:r="http://schemas.openxmlformats.org/officeDocument/2006/relationships">
+<p:notes xmlns:a="http://schemas.openxmlformats.org/drawingml/2006/main" xmlns:r="http://schemas.openxmlformats.org/officeDocument/2006/relationships" xmlns:p="http://schemas.openxmlformats.org/presentationml/2006/main">
   <p:cSld>
     <p:spTree>
       <p:nvGrpSpPr>
@@ -2085,7 +2003,7 @@
             <a:spLocks noGrp="1"/>
           </p:cNvSpPr>
           <p:nvPr>
-            <p:ph type="sldNum" idx="5" sz="quarter"/>
+            <p:ph type="sldNum" sz="quarter" idx="5"/>
           </p:nvPr>
         </p:nvSpPr>
         <p:spPr/>
@@ -2097,7 +2015,7 @@
             <a:spLocks noGrp="1"/>
           </p:cNvSpPr>
           <p:nvPr>
-            <p:ph type="body" idx="3" sz="quarter"/>
+            <p:ph type="body" sz="quarter" idx="3"/>
           </p:nvPr>
         </p:nvSpPr>
         <p:spPr/>
@@ -2132,7 +2050,7 @@
 </file>
 
 <file path=ppt/notesSlides/notesSlide24.xml><?xml version="1.0" encoding="utf-8"?>
-<p:notes xmlns:a="http://schemas.openxmlformats.org/drawingml/2006/main" xmlns:p="http://schemas.openxmlformats.org/presentationml/2006/main" xmlns:r="http://schemas.openxmlformats.org/officeDocument/2006/relationships">
+<p:notes xmlns:a="http://schemas.openxmlformats.org/drawingml/2006/main" xmlns:r="http://schemas.openxmlformats.org/officeDocument/2006/relationships" xmlns:p="http://schemas.openxmlformats.org/presentationml/2006/main">
   <p:cSld>
     <p:spTree>
       <p:nvGrpSpPr>
@@ -2167,7 +2085,7 @@
             <a:spLocks noGrp="1"/>
           </p:cNvSpPr>
           <p:nvPr>
-            <p:ph type="sldNum" idx="5" sz="quarter"/>
+            <p:ph type="sldNum" sz="quarter" idx="5"/>
           </p:nvPr>
         </p:nvSpPr>
         <p:spPr/>
@@ -2179,7 +2097,7 @@
             <a:spLocks noGrp="1"/>
           </p:cNvSpPr>
           <p:nvPr>
-            <p:ph type="body" idx="3" sz="quarter"/>
+            <p:ph type="body" sz="quarter" idx="3"/>
           </p:nvPr>
         </p:nvSpPr>
         <p:spPr/>
@@ -2220,7 +2138,7 @@
 </file>
 
 <file path=ppt/notesSlides/notesSlide25.xml><?xml version="1.0" encoding="utf-8"?>
-<p:notes xmlns:a="http://schemas.openxmlformats.org/drawingml/2006/main" xmlns:p="http://schemas.openxmlformats.org/presentationml/2006/main" xmlns:r="http://schemas.openxmlformats.org/officeDocument/2006/relationships">
+<p:notes xmlns:a="http://schemas.openxmlformats.org/drawingml/2006/main" xmlns:r="http://schemas.openxmlformats.org/officeDocument/2006/relationships" xmlns:p="http://schemas.openxmlformats.org/presentationml/2006/main">
   <p:cSld>
     <p:spTree>
       <p:nvGrpSpPr>
@@ -2255,7 +2173,7 @@
             <a:spLocks noGrp="1"/>
           </p:cNvSpPr>
           <p:nvPr>
-            <p:ph type="sldNum" idx="5" sz="quarter"/>
+            <p:ph type="sldNum" sz="quarter" idx="5"/>
           </p:nvPr>
         </p:nvSpPr>
         <p:spPr/>
@@ -2267,7 +2185,7 @@
             <a:spLocks noGrp="1"/>
           </p:cNvSpPr>
           <p:nvPr>
-            <p:ph type="body" idx="3" sz="quarter"/>
+            <p:ph type="body" sz="quarter" idx="3"/>
           </p:nvPr>
         </p:nvSpPr>
         <p:spPr/>
@@ -2305,7 +2223,7 @@
 </file>
 
 <file path=ppt/notesSlides/notesSlide26.xml><?xml version="1.0" encoding="utf-8"?>
-<p:notes xmlns:a="http://schemas.openxmlformats.org/drawingml/2006/main" xmlns:p="http://schemas.openxmlformats.org/presentationml/2006/main" xmlns:r="http://schemas.openxmlformats.org/officeDocument/2006/relationships">
+<p:notes xmlns:a="http://schemas.openxmlformats.org/drawingml/2006/main" xmlns:r="http://schemas.openxmlformats.org/officeDocument/2006/relationships" xmlns:p="http://schemas.openxmlformats.org/presentationml/2006/main">
   <p:cSld>
     <p:spTree>
       <p:nvGrpSpPr>
@@ -2340,7 +2258,7 @@
             <a:spLocks noGrp="1"/>
           </p:cNvSpPr>
           <p:nvPr>
-            <p:ph type="sldNum" idx="5" sz="quarter"/>
+            <p:ph type="sldNum" sz="quarter" idx="5"/>
           </p:nvPr>
         </p:nvSpPr>
         <p:spPr/>
@@ -2352,7 +2270,7 @@
             <a:spLocks noGrp="1"/>
           </p:cNvSpPr>
           <p:nvPr>
-            <p:ph type="body" idx="3" sz="quarter"/>
+            <p:ph type="body" sz="quarter" idx="3"/>
           </p:nvPr>
         </p:nvSpPr>
         <p:spPr/>
@@ -2396,7 +2314,7 @@
 </file>
 
 <file path=ppt/notesSlides/notesSlide27.xml><?xml version="1.0" encoding="utf-8"?>
-<p:notes xmlns:a="http://schemas.openxmlformats.org/drawingml/2006/main" xmlns:p="http://schemas.openxmlformats.org/presentationml/2006/main" xmlns:r="http://schemas.openxmlformats.org/officeDocument/2006/relationships">
+<p:notes xmlns:a="http://schemas.openxmlformats.org/drawingml/2006/main" xmlns:r="http://schemas.openxmlformats.org/officeDocument/2006/relationships" xmlns:p="http://schemas.openxmlformats.org/presentationml/2006/main">
   <p:cSld>
     <p:spTree>
       <p:nvGrpSpPr>
@@ -2431,7 +2349,7 @@
             <a:spLocks noGrp="1"/>
           </p:cNvSpPr>
           <p:nvPr>
-            <p:ph type="sldNum" idx="5" sz="quarter"/>
+            <p:ph type="sldNum" sz="quarter" idx="5"/>
           </p:nvPr>
         </p:nvSpPr>
         <p:spPr/>
@@ -2443,7 +2361,7 @@
             <a:spLocks noGrp="1"/>
           </p:cNvSpPr>
           <p:nvPr>
-            <p:ph type="body" idx="3" sz="quarter"/>
+            <p:ph type="body" sz="quarter" idx="3"/>
           </p:nvPr>
         </p:nvSpPr>
         <p:spPr/>
@@ -2489,7 +2407,7 @@
 </file>
 
 <file path=ppt/notesSlides/notesSlide3.xml><?xml version="1.0" encoding="utf-8"?>
-<p:notes xmlns:a="http://schemas.openxmlformats.org/drawingml/2006/main" xmlns:p="http://schemas.openxmlformats.org/presentationml/2006/main" xmlns:r="http://schemas.openxmlformats.org/officeDocument/2006/relationships">
+<p:notes xmlns:a="http://schemas.openxmlformats.org/drawingml/2006/main" xmlns:r="http://schemas.openxmlformats.org/officeDocument/2006/relationships" xmlns:p="http://schemas.openxmlformats.org/presentationml/2006/main">
   <p:cSld>
     <p:spTree>
       <p:nvGrpSpPr>
@@ -2524,7 +2442,7 @@
             <a:spLocks noGrp="1"/>
           </p:cNvSpPr>
           <p:nvPr>
-            <p:ph type="sldNum" idx="5" sz="quarter"/>
+            <p:ph type="sldNum" sz="quarter" idx="5"/>
           </p:nvPr>
         </p:nvSpPr>
         <p:spPr/>
@@ -2536,7 +2454,7 @@
             <a:spLocks noGrp="1"/>
           </p:cNvSpPr>
           <p:nvPr>
-            <p:ph type="body" idx="3" sz="quarter"/>
+            <p:ph type="body" sz="quarter" idx="3"/>
           </p:nvPr>
         </p:nvSpPr>
         <p:spPr/>
@@ -2584,7 +2502,7 @@
 </file>
 
 <file path=ppt/notesSlides/notesSlide4.xml><?xml version="1.0" encoding="utf-8"?>
-<p:notes xmlns:a="http://schemas.openxmlformats.org/drawingml/2006/main" xmlns:p="http://schemas.openxmlformats.org/presentationml/2006/main" xmlns:r="http://schemas.openxmlformats.org/officeDocument/2006/relationships">
+<p:notes xmlns:a="http://schemas.openxmlformats.org/drawingml/2006/main" xmlns:r="http://schemas.openxmlformats.org/officeDocument/2006/relationships" xmlns:p="http://schemas.openxmlformats.org/presentationml/2006/main">
   <p:cSld>
     <p:spTree>
       <p:nvGrpSpPr>
@@ -2619,7 +2537,7 @@
             <a:spLocks noGrp="1"/>
           </p:cNvSpPr>
           <p:nvPr>
-            <p:ph type="sldNum" idx="5" sz="quarter"/>
+            <p:ph type="sldNum" sz="quarter" idx="5"/>
           </p:nvPr>
         </p:nvSpPr>
         <p:spPr/>
@@ -2631,7 +2549,7 @@
             <a:spLocks noGrp="1"/>
           </p:cNvSpPr>
           <p:nvPr>
-            <p:ph type="body" idx="3" sz="quarter"/>
+            <p:ph type="body" sz="quarter" idx="3"/>
           </p:nvPr>
         </p:nvSpPr>
         <p:spPr/>
@@ -2659,7 +2577,7 @@
 </file>
 
 <file path=ppt/notesSlides/notesSlide5.xml><?xml version="1.0" encoding="utf-8"?>
-<p:notes xmlns:a="http://schemas.openxmlformats.org/drawingml/2006/main" xmlns:p="http://schemas.openxmlformats.org/presentationml/2006/main" xmlns:r="http://schemas.openxmlformats.org/officeDocument/2006/relationships">
+<p:notes xmlns:a="http://schemas.openxmlformats.org/drawingml/2006/main" xmlns:r="http://schemas.openxmlformats.org/officeDocument/2006/relationships" xmlns:p="http://schemas.openxmlformats.org/presentationml/2006/main">
   <p:cSld>
     <p:spTree>
       <p:nvGrpSpPr>
@@ -2694,7 +2612,7 @@
             <a:spLocks noGrp="1"/>
           </p:cNvSpPr>
           <p:nvPr>
-            <p:ph type="sldNum" idx="5" sz="quarter"/>
+            <p:ph type="sldNum" sz="quarter" idx="5"/>
           </p:nvPr>
         </p:nvSpPr>
         <p:spPr/>
@@ -2706,7 +2624,7 @@
             <a:spLocks noGrp="1"/>
           </p:cNvSpPr>
           <p:nvPr>
-            <p:ph type="body" idx="3" sz="quarter"/>
+            <p:ph type="body" sz="quarter" idx="3"/>
           </p:nvPr>
         </p:nvSpPr>
         <p:spPr/>
@@ -2734,7 +2652,7 @@
 </file>
 
 <file path=ppt/notesSlides/notesSlide6.xml><?xml version="1.0" encoding="utf-8"?>
-<p:notes xmlns:a="http://schemas.openxmlformats.org/drawingml/2006/main" xmlns:p="http://schemas.openxmlformats.org/presentationml/2006/main" xmlns:r="http://schemas.openxmlformats.org/officeDocument/2006/relationships">
+<p:notes xmlns:a="http://schemas.openxmlformats.org/drawingml/2006/main" xmlns:r="http://schemas.openxmlformats.org/officeDocument/2006/relationships" xmlns:p="http://schemas.openxmlformats.org/presentationml/2006/main">
   <p:cSld>
     <p:spTree>
       <p:nvGrpSpPr>
@@ -2769,7 +2687,7 @@
             <a:spLocks noGrp="1"/>
           </p:cNvSpPr>
           <p:nvPr>
-            <p:ph type="sldNum" idx="5" sz="quarter"/>
+            <p:ph type="sldNum" sz="quarter" idx="5"/>
           </p:nvPr>
         </p:nvSpPr>
         <p:spPr/>
@@ -2781,7 +2699,7 @@
             <a:spLocks noGrp="1"/>
           </p:cNvSpPr>
           <p:nvPr>
-            <p:ph type="body" idx="3" sz="quarter"/>
+            <p:ph type="body" sz="quarter" idx="3"/>
           </p:nvPr>
         </p:nvSpPr>
         <p:spPr/>
@@ -2809,7 +2727,7 @@
 </file>
 
 <file path=ppt/notesSlides/notesSlide7.xml><?xml version="1.0" encoding="utf-8"?>
-<p:notes xmlns:a="http://schemas.openxmlformats.org/drawingml/2006/main" xmlns:p="http://schemas.openxmlformats.org/presentationml/2006/main" xmlns:r="http://schemas.openxmlformats.org/officeDocument/2006/relationships">
+<p:notes xmlns:a="http://schemas.openxmlformats.org/drawingml/2006/main" xmlns:r="http://schemas.openxmlformats.org/officeDocument/2006/relationships" xmlns:p="http://schemas.openxmlformats.org/presentationml/2006/main">
   <p:cSld>
     <p:spTree>
       <p:nvGrpSpPr>
@@ -2844,7 +2762,7 @@
             <a:spLocks noGrp="1"/>
           </p:cNvSpPr>
           <p:nvPr>
-            <p:ph type="sldNum" idx="5" sz="quarter"/>
+            <p:ph type="sldNum" sz="quarter" idx="5"/>
           </p:nvPr>
         </p:nvSpPr>
         <p:spPr/>
@@ -2856,7 +2774,7 @@
             <a:spLocks noGrp="1"/>
           </p:cNvSpPr>
           <p:nvPr>
-            <p:ph type="body" idx="3" sz="quarter"/>
+            <p:ph type="body" sz="quarter" idx="3"/>
           </p:nvPr>
         </p:nvSpPr>
         <p:spPr/>
@@ -2894,7 +2812,7 @@
 </file>
 
 <file path=ppt/notesSlides/notesSlide8.xml><?xml version="1.0" encoding="utf-8"?>
-<p:notes xmlns:a="http://schemas.openxmlformats.org/drawingml/2006/main" xmlns:p="http://schemas.openxmlformats.org/presentationml/2006/main" xmlns:r="http://schemas.openxmlformats.org/officeDocument/2006/relationships">
+<p:notes xmlns:a="http://schemas.openxmlformats.org/drawingml/2006/main" xmlns:r="http://schemas.openxmlformats.org/officeDocument/2006/relationships" xmlns:p="http://schemas.openxmlformats.org/presentationml/2006/main">
   <p:cSld>
     <p:spTree>
       <p:nvGrpSpPr>
@@ -2929,7 +2847,7 @@
             <a:spLocks noGrp="1"/>
           </p:cNvSpPr>
           <p:nvPr>
-            <p:ph type="sldNum" idx="5" sz="quarter"/>
+            <p:ph type="sldNum" sz="quarter" idx="5"/>
           </p:nvPr>
         </p:nvSpPr>
         <p:spPr/>
@@ -2941,7 +2859,7 @@
             <a:spLocks noGrp="1"/>
           </p:cNvSpPr>
           <p:nvPr>
-            <p:ph type="body" idx="3" sz="quarter"/>
+            <p:ph type="body" sz="quarter" idx="3"/>
           </p:nvPr>
         </p:nvSpPr>
         <p:spPr/>
@@ -2964,7 +2882,7 @@
 </file>
 
 <file path=ppt/notesSlides/notesSlide9.xml><?xml version="1.0" encoding="utf-8"?>
-<p:notes xmlns:a="http://schemas.openxmlformats.org/drawingml/2006/main" xmlns:p="http://schemas.openxmlformats.org/presentationml/2006/main" xmlns:r="http://schemas.openxmlformats.org/officeDocument/2006/relationships">
+<p:notes xmlns:a="http://schemas.openxmlformats.org/drawingml/2006/main" xmlns:r="http://schemas.openxmlformats.org/officeDocument/2006/relationships" xmlns:p="http://schemas.openxmlformats.org/presentationml/2006/main">
   <p:cSld>
     <p:spTree>
       <p:nvGrpSpPr>
@@ -2999,7 +2917,7 @@
             <a:spLocks noGrp="1"/>
           </p:cNvSpPr>
           <p:nvPr>
-            <p:ph type="sldNum" idx="5" sz="quarter"/>
+            <p:ph type="sldNum" sz="quarter" idx="5"/>
           </p:nvPr>
         </p:nvSpPr>
         <p:spPr/>
@@ -3011,7 +2929,7 @@
             <a:spLocks noGrp="1"/>
           </p:cNvSpPr>
           <p:nvPr>
-            <p:ph type="body" idx="3" sz="quarter"/>
+            <p:ph type="body" sz="quarter" idx="3"/>
           </p:nvPr>
         </p:nvSpPr>
         <p:spPr/>
@@ -3044,7 +2962,7 @@
 </file>
 
 <file path=ppt/slideLayouts/slideLayout1.xml><?xml version="1.0" encoding="utf-8"?>
-<p:sldLayout xmlns:a="http://schemas.openxmlformats.org/drawingml/2006/main" xmlns:r="http://schemas.openxmlformats.org/officeDocument/2006/relationships" xmlns:p="http://schemas.openxmlformats.org/presentationml/2006/main" showMasterSp="0" type="title" preserve="1">
+<p:sldLayout xmlns:a="http://schemas.openxmlformats.org/drawingml/2006/main" xmlns:r="http://schemas.openxmlformats.org/officeDocument/2006/relationships" xmlns:p="http://schemas.openxmlformats.org/presentationml/2006/main" type="title" preserve="1" showMasterSp="0">
   <p:cSld name="Title Slide">
     <p:bg>
       <p:bgPr>
@@ -3079,7 +2997,9 @@
         <p:blipFill rotWithShape="1">
           <a:blip r:embed="rId2"/>
           <a:srcRect t="19473"/>
-          <a:stretch/>
+          <a:stretch>
+            <a:fillRect/>
+          </a:stretch>
         </p:blipFill>
         <p:spPr bwMode="auto">
           <a:xfrm>
@@ -3130,6 +3050,7 @@
               <a:rPr lang="en-US"/>
               <a:t>Click to edit Master subtitle style</a:t>
             </a:r>
+            <a:endParaRPr lang="en-US"/>
           </a:p>
         </p:txBody>
       </p:sp>
@@ -3161,6 +3082,7 @@
               <a:rPr lang="en-US"/>
               <a:t>Click to edit Master title style</a:t>
             </a:r>
+            <a:endParaRPr lang="en-US"/>
           </a:p>
         </p:txBody>
       </p:sp>
@@ -3210,6 +3132,7 @@
               <a:rPr lang="en-US" dirty="0"/>
               <a:t>Click to edit Master title style</a:t>
             </a:r>
+            <a:endParaRPr lang="en-US" dirty="0"/>
           </a:p>
         </p:txBody>
       </p:sp>
@@ -3233,6 +3156,7 @@
               <a:rPr lang="en-US" dirty="0"/>
               <a:t>Click to edit Master text styles</a:t>
             </a:r>
+            <a:endParaRPr lang="en-US" dirty="0"/>
           </a:p>
           <a:p>
             <a:pPr lvl="1"/>
@@ -3240,6 +3164,7 @@
               <a:rPr lang="en-US" dirty="0"/>
               <a:t>Second level</a:t>
             </a:r>
+            <a:endParaRPr lang="en-US" dirty="0"/>
           </a:p>
           <a:p>
             <a:pPr lvl="2"/>
@@ -3247,6 +3172,7 @@
               <a:rPr lang="en-US" dirty="0"/>
               <a:t>Third level</a:t>
             </a:r>
+            <a:endParaRPr lang="en-US" dirty="0"/>
           </a:p>
           <a:p>
             <a:pPr lvl="3"/>
@@ -3254,6 +3180,7 @@
               <a:rPr lang="en-US" dirty="0"/>
               <a:t>Fourth level</a:t>
             </a:r>
+            <a:endParaRPr lang="en-US" dirty="0"/>
           </a:p>
           <a:p>
             <a:pPr lvl="4"/>
@@ -3261,6 +3188,7 @@
               <a:rPr lang="en-US" dirty="0"/>
               <a:t>Fifth level</a:t>
             </a:r>
+            <a:endParaRPr lang="en-US" dirty="0"/>
           </a:p>
         </p:txBody>
       </p:sp>
@@ -3286,6 +3214,7 @@
               <a:rPr lang="en-US" dirty="0"/>
               <a:t>Copyright © 2017 Elephant Scale. All rights reserved.</a:t>
             </a:r>
+            <a:endParaRPr lang="en-US" dirty="0"/>
           </a:p>
         </p:txBody>
       </p:sp>
@@ -3309,10 +3238,6 @@
             </a:pPr>
             <a:fld id="{77EF9825-4C23-4085-A4E3-B5565466BD91}" type="slidenum">
               <a:rPr lang="en-US" smtClean="0"/>
-              <a:pPr>
-                <a:defRPr/>
-              </a:pPr>
-              <a:t>‹#›</a:t>
             </a:fld>
             <a:endParaRPr lang="en-US" dirty="0"/>
           </a:p>
@@ -3367,6 +3292,7 @@
               <a:rPr lang="en-US"/>
               <a:t>Click to edit Master title style</a:t>
             </a:r>
+            <a:endParaRPr lang="en-US"/>
           </a:p>
         </p:txBody>
       </p:sp>
@@ -3395,6 +3321,7 @@
               <a:rPr lang="en-US"/>
               <a:t>Click to edit Master text styles</a:t>
             </a:r>
+            <a:endParaRPr lang="en-US"/>
           </a:p>
           <a:p>
             <a:pPr lvl="1"/>
@@ -3402,6 +3329,7 @@
               <a:rPr lang="en-US"/>
               <a:t>Second level</a:t>
             </a:r>
+            <a:endParaRPr lang="en-US"/>
           </a:p>
           <a:p>
             <a:pPr lvl="2"/>
@@ -3409,6 +3337,7 @@
               <a:rPr lang="en-US"/>
               <a:t>Third level</a:t>
             </a:r>
+            <a:endParaRPr lang="en-US"/>
           </a:p>
           <a:p>
             <a:pPr lvl="3"/>
@@ -3416,6 +3345,7 @@
               <a:rPr lang="en-US"/>
               <a:t>Fourth level</a:t>
             </a:r>
+            <a:endParaRPr lang="en-US"/>
           </a:p>
           <a:p>
             <a:pPr lvl="4"/>
@@ -3423,6 +3353,7 @@
               <a:rPr lang="en-US"/>
               <a:t>Fifth level</a:t>
             </a:r>
+            <a:endParaRPr lang="en-US"/>
           </a:p>
         </p:txBody>
       </p:sp>
@@ -3451,6 +3382,7 @@
               <a:rPr lang="en-US"/>
               <a:t>Click to edit Master text styles</a:t>
             </a:r>
+            <a:endParaRPr lang="en-US"/>
           </a:p>
           <a:p>
             <a:pPr lvl="1"/>
@@ -3458,6 +3390,7 @@
               <a:rPr lang="en-US"/>
               <a:t>Second level</a:t>
             </a:r>
+            <a:endParaRPr lang="en-US"/>
           </a:p>
           <a:p>
             <a:pPr lvl="2"/>
@@ -3465,6 +3398,7 @@
               <a:rPr lang="en-US"/>
               <a:t>Third level</a:t>
             </a:r>
+            <a:endParaRPr lang="en-US"/>
           </a:p>
           <a:p>
             <a:pPr lvl="3"/>
@@ -3472,6 +3406,7 @@
               <a:rPr lang="en-US"/>
               <a:t>Fourth level</a:t>
             </a:r>
+            <a:endParaRPr lang="en-US"/>
           </a:p>
           <a:p>
             <a:pPr lvl="4"/>
@@ -3479,6 +3414,7 @@
               <a:rPr lang="en-US"/>
               <a:t>Fifth level</a:t>
             </a:r>
+            <a:endParaRPr lang="en-US"/>
           </a:p>
         </p:txBody>
       </p:sp>
@@ -3507,6 +3443,7 @@
               <a:rPr lang="en-US"/>
               <a:t>Click to edit Master text styles</a:t>
             </a:r>
+            <a:endParaRPr lang="en-US"/>
           </a:p>
           <a:p>
             <a:pPr lvl="1"/>
@@ -3514,6 +3451,7 @@
               <a:rPr lang="en-US"/>
               <a:t>Second level</a:t>
             </a:r>
+            <a:endParaRPr lang="en-US"/>
           </a:p>
           <a:p>
             <a:pPr lvl="2"/>
@@ -3521,6 +3459,7 @@
               <a:rPr lang="en-US"/>
               <a:t>Third level</a:t>
             </a:r>
+            <a:endParaRPr lang="en-US"/>
           </a:p>
           <a:p>
             <a:pPr lvl="3"/>
@@ -3528,6 +3467,7 @@
               <a:rPr lang="en-US"/>
               <a:t>Fourth level</a:t>
             </a:r>
+            <a:endParaRPr lang="en-US"/>
           </a:p>
           <a:p>
             <a:pPr lvl="4"/>
@@ -3535,6 +3475,7 @@
               <a:rPr lang="en-US"/>
               <a:t>Fifth level</a:t>
             </a:r>
+            <a:endParaRPr lang="en-US"/>
           </a:p>
         </p:txBody>
       </p:sp>
@@ -3548,9 +3489,7 @@
             <p:ph type="sldNum" sz="quarter" idx="11"/>
           </p:nvPr>
         </p:nvSpPr>
-        <p:spPr>
-          <a:ln/>
-        </p:spPr>
+        <p:spPr/>
         <p:txBody>
           <a:bodyPr/>
           <a:lstStyle>
@@ -3564,10 +3503,6 @@
             </a:pPr>
             <a:fld id="{040E4B02-67B9-4228-B08B-2561CEE6B946}" type="slidenum">
               <a:rPr lang="en-US"/>
-              <a:pPr>
-                <a:defRPr/>
-              </a:pPr>
-              <a:t>‹#›</a:t>
             </a:fld>
             <a:endParaRPr lang="en-US" dirty="0"/>
           </a:p>
@@ -3583,9 +3518,7 @@
             <p:ph type="ftr" sz="quarter" idx="12"/>
           </p:nvPr>
         </p:nvSpPr>
-        <p:spPr>
-          <a:ln/>
-        </p:spPr>
+        <p:spPr/>
         <p:txBody>
           <a:bodyPr/>
           <a:lstStyle>
@@ -3601,6 +3534,7 @@
               <a:rPr lang="en-US" dirty="0"/>
               <a:t>Copyright © 2017 Elephant Scale. All rights reserved.</a:t>
             </a:r>
+            <a:endParaRPr lang="en-US" dirty="0"/>
           </a:p>
         </p:txBody>
       </p:sp>
@@ -3653,6 +3587,7 @@
               <a:rPr lang="en-US"/>
               <a:t>Click to edit Master title style</a:t>
             </a:r>
+            <a:endParaRPr lang="en-US"/>
           </a:p>
         </p:txBody>
       </p:sp>
@@ -3681,6 +3616,7 @@
               <a:rPr lang="en-US"/>
               <a:t>Click to edit Master text styles</a:t>
             </a:r>
+            <a:endParaRPr lang="en-US"/>
           </a:p>
           <a:p>
             <a:pPr lvl="1"/>
@@ -3688,6 +3624,7 @@
               <a:rPr lang="en-US"/>
               <a:t>Second level</a:t>
             </a:r>
+            <a:endParaRPr lang="en-US"/>
           </a:p>
           <a:p>
             <a:pPr lvl="2"/>
@@ -3695,6 +3632,7 @@
               <a:rPr lang="en-US"/>
               <a:t>Third level</a:t>
             </a:r>
+            <a:endParaRPr lang="en-US"/>
           </a:p>
           <a:p>
             <a:pPr lvl="3"/>
@@ -3702,6 +3640,7 @@
               <a:rPr lang="en-US"/>
               <a:t>Fourth level</a:t>
             </a:r>
+            <a:endParaRPr lang="en-US"/>
           </a:p>
           <a:p>
             <a:pPr lvl="4"/>
@@ -3709,6 +3648,7 @@
               <a:rPr lang="en-US"/>
               <a:t>Fifth level</a:t>
             </a:r>
+            <a:endParaRPr lang="en-US"/>
           </a:p>
         </p:txBody>
       </p:sp>
@@ -3737,6 +3677,7 @@
               <a:rPr lang="en-US"/>
               <a:t>Click to edit Master text styles</a:t>
             </a:r>
+            <a:endParaRPr lang="en-US"/>
           </a:p>
           <a:p>
             <a:pPr lvl="1"/>
@@ -3744,6 +3685,7 @@
               <a:rPr lang="en-US"/>
               <a:t>Second level</a:t>
             </a:r>
+            <a:endParaRPr lang="en-US"/>
           </a:p>
           <a:p>
             <a:pPr lvl="2"/>
@@ -3751,6 +3693,7 @@
               <a:rPr lang="en-US"/>
               <a:t>Third level</a:t>
             </a:r>
+            <a:endParaRPr lang="en-US"/>
           </a:p>
           <a:p>
             <a:pPr lvl="3"/>
@@ -3758,6 +3701,7 @@
               <a:rPr lang="en-US"/>
               <a:t>Fourth level</a:t>
             </a:r>
+            <a:endParaRPr lang="en-US"/>
           </a:p>
           <a:p>
             <a:pPr lvl="4"/>
@@ -3765,6 +3709,7 @@
               <a:rPr lang="en-US"/>
               <a:t>Fifth level</a:t>
             </a:r>
+            <a:endParaRPr lang="en-US"/>
           </a:p>
         </p:txBody>
       </p:sp>
@@ -3778,9 +3723,7 @@
             <p:ph type="sldNum" sz="quarter" idx="11"/>
           </p:nvPr>
         </p:nvSpPr>
-        <p:spPr>
-          <a:ln/>
-        </p:spPr>
+        <p:spPr/>
         <p:txBody>
           <a:bodyPr/>
           <a:lstStyle>
@@ -3794,10 +3737,6 @@
             </a:pPr>
             <a:fld id="{A86CC632-9864-46F1-8EAB-FCD3BB9CEC9A}" type="slidenum">
               <a:rPr lang="en-US"/>
-              <a:pPr>
-                <a:defRPr/>
-              </a:pPr>
-              <a:t>‹#›</a:t>
             </a:fld>
             <a:endParaRPr lang="en-US" dirty="0"/>
           </a:p>
@@ -3813,9 +3752,7 @@
             <p:ph type="ftr" sz="quarter" idx="12"/>
           </p:nvPr>
         </p:nvSpPr>
-        <p:spPr>
-          <a:ln/>
-        </p:spPr>
+        <p:spPr/>
         <p:txBody>
           <a:bodyPr/>
           <a:lstStyle>
@@ -3831,6 +3768,7 @@
               <a:rPr lang="en-US" dirty="0"/>
               <a:t>Copyright © 2017 Elephant Scale. All rights reserved.</a:t>
             </a:r>
+            <a:endParaRPr lang="en-US" dirty="0"/>
           </a:p>
         </p:txBody>
       </p:sp>
@@ -3889,15 +3827,10 @@
           <a:ln w="9525">
             <a:noFill/>
             <a:miter lim="800000"/>
-            <a:headEnd/>
-            <a:tailEnd/>
           </a:ln>
         </p:spPr>
         <p:txBody>
           <a:bodyPr vert="horz" wrap="square" lIns="92007" tIns="46005" rIns="92007" bIns="46005" numCol="1" anchor="t" anchorCtr="0" compatLnSpc="1">
-            <a:prstTxWarp prst="textNoShape">
-              <a:avLst/>
-            </a:prstTxWarp>
             <a:normAutofit/>
           </a:bodyPr>
           <a:lstStyle/>
@@ -3907,6 +3840,7 @@
               <a:rPr lang="en-US" dirty="0"/>
               <a:t>Click to edit Master text styles</a:t>
             </a:r>
+            <a:endParaRPr lang="en-US" dirty="0"/>
           </a:p>
           <a:p>
             <a:pPr lvl="1"/>
@@ -3914,6 +3848,7 @@
               <a:rPr lang="en-US" dirty="0"/>
               <a:t>Second level</a:t>
             </a:r>
+            <a:endParaRPr lang="en-US" dirty="0"/>
           </a:p>
           <a:p>
             <a:pPr lvl="2"/>
@@ -3921,6 +3856,7 @@
               <a:rPr lang="en-US" dirty="0"/>
               <a:t>Third level</a:t>
             </a:r>
+            <a:endParaRPr lang="en-US" dirty="0"/>
           </a:p>
           <a:p>
             <a:pPr lvl="3"/>
@@ -3928,6 +3864,7 @@
               <a:rPr lang="en-US" dirty="0"/>
               <a:t>Fourth level</a:t>
             </a:r>
+            <a:endParaRPr lang="en-US" dirty="0"/>
           </a:p>
           <a:p>
             <a:pPr lvl="4"/>
@@ -3935,6 +3872,7 @@
               <a:rPr lang="en-US" dirty="0"/>
               <a:t>Fifth level</a:t>
             </a:r>
+            <a:endParaRPr lang="en-US" dirty="0"/>
           </a:p>
         </p:txBody>
       </p:sp>
@@ -3960,26 +3898,20 @@
           <a:ln w="9525">
             <a:noFill/>
             <a:miter lim="800000"/>
-            <a:headEnd/>
-            <a:tailEnd/>
           </a:ln>
           <a:effectLst/>
         </p:spPr>
         <p:txBody>
-          <a:bodyPr vert="horz" wrap="square" lIns="0" tIns="0" rIns="0" bIns="0" numCol="1" anchor="b" anchorCtr="0" compatLnSpc="1">
-            <a:prstTxWarp prst="textNoShape">
-              <a:avLst/>
-            </a:prstTxWarp>
-          </a:bodyPr>
+          <a:bodyPr vert="horz" wrap="square" lIns="0" tIns="0" rIns="0" bIns="0" numCol="1" anchor="b" anchorCtr="0" compatLnSpc="1"/>
           <a:lstStyle>
             <a:lvl1pPr algn="r" eaLnBrk="0" hangingPunct="0">
               <a:defRPr b="1">
                 <a:solidFill>
                   <a:srgbClr val="000000"/>
                 </a:solidFill>
-                <a:latin typeface="Arial" charset="0"/>
-                <a:ea typeface="ＭＳ Ｐゴシック" charset="0"/>
-                <a:cs typeface="ＭＳ Ｐゴシック" charset="0"/>
+                <a:latin typeface="Arial" panose="020B0604020202020204" pitchFamily="34" charset="0"/>
+                <a:ea typeface="MS PGothic" charset="0"/>
+                <a:cs typeface="MS PGothic" charset="0"/>
               </a:defRPr>
             </a:lvl1pPr>
           </a:lstStyle>
@@ -3989,10 +3921,6 @@
             </a:pPr>
             <a:fld id="{77EF9825-4C23-4085-A4E3-B5565466BD91}" type="slidenum">
               <a:rPr lang="en-US"/>
-              <a:pPr>
-                <a:defRPr/>
-              </a:pPr>
-              <a:t>‹#›</a:t>
             </a:fld>
             <a:endParaRPr lang="en-US" dirty="0"/>
           </a:p>
@@ -4020,16 +3948,11 @@
           <a:ln w="9525">
             <a:noFill/>
             <a:miter lim="800000"/>
-            <a:headEnd/>
-            <a:tailEnd/>
           </a:ln>
           <a:effectLst/>
         </p:spPr>
         <p:txBody>
           <a:bodyPr vert="horz" wrap="square" lIns="0" tIns="0" rIns="0" bIns="0" numCol="1" anchor="t" anchorCtr="0" compatLnSpc="1">
-            <a:prstTxWarp prst="textNoShape">
-              <a:avLst/>
-            </a:prstTxWarp>
             <a:spAutoFit/>
           </a:bodyPr>
           <a:lstStyle>
@@ -4055,6 +3978,7 @@
               <a:rPr lang="en-US" dirty="0"/>
               <a:t>Copyright © 2017 Elephant Scale. All rights reserved.</a:t>
             </a:r>
+            <a:endParaRPr lang="en-US" dirty="0"/>
           </a:p>
         </p:txBody>
       </p:sp>
@@ -4067,7 +3991,7 @@
           <p:nvPr/>
         </p:nvPicPr>
         <p:blipFill>
-          <a:blip r:embed="rId6"/>
+          <a:blip r:embed="rId5"/>
           <a:srcRect/>
           <a:stretch>
             <a:fillRect/>
@@ -4114,16 +4038,10 @@
           <a:ln w="9525">
             <a:noFill/>
             <a:miter lim="800000"/>
-            <a:headEnd/>
-            <a:tailEnd/>
           </a:ln>
         </p:spPr>
         <p:txBody>
-          <a:bodyPr vert="horz" wrap="square" lIns="92007" tIns="46005" rIns="92007" bIns="46005" numCol="1" anchor="b" anchorCtr="0" compatLnSpc="1">
-            <a:prstTxWarp prst="textNoShape">
-              <a:avLst/>
-            </a:prstTxWarp>
-          </a:bodyPr>
+          <a:bodyPr vert="horz" wrap="square" lIns="92007" tIns="46005" rIns="92007" bIns="46005" numCol="1" anchor="b" anchorCtr="0" compatLnSpc="1"/>
           <a:lstStyle/>
           <a:p>
             <a:pPr lvl="0"/>
@@ -4131,6 +4049,7 @@
               <a:rPr lang="en-US" dirty="0"/>
               <a:t>Click to edit Master title style</a:t>
             </a:r>
+            <a:endParaRPr lang="en-US" dirty="0"/>
           </a:p>
         </p:txBody>
       </p:sp>
@@ -4138,10 +4057,10 @@
   </p:cSld>
   <p:clrMap bg1="dk2" tx1="lt1" bg2="dk1" tx2="lt2" accent1="accent1" accent2="accent2" accent3="accent3" accent4="accent4" accent5="accent5" accent6="accent6" hlink="hlink" folHlink="folHlink"/>
   <p:sldLayoutIdLst>
-    <p:sldLayoutId id="2147483656" r:id="rId1"/>
-    <p:sldLayoutId id="2147483655" r:id="rId2"/>
-    <p:sldLayoutId id="2147483654" r:id="rId3"/>
-    <p:sldLayoutId id="2147483653" r:id="rId4"/>
+    <p:sldLayoutId id="2147483649" r:id="rId1"/>
+    <p:sldLayoutId id="2147483650" r:id="rId2"/>
+    <p:sldLayoutId id="2147483651" r:id="rId3"/>
+    <p:sldLayoutId id="2147483652" r:id="rId4"/>
   </p:sldLayoutIdLst>
   <p:hf hdr="0" dt="0"/>
   <p:txStyles>
@@ -4158,8 +4077,8 @@
             <a:schemeClr val="tx1"/>
           </a:solidFill>
           <a:latin typeface="+mj-lt"/>
-          <a:ea typeface="ＭＳ Ｐゴシック" pitchFamily="-110" charset="-128"/>
-          <a:cs typeface="ＭＳ Ｐゴシック" pitchFamily="-110" charset="-128"/>
+          <a:ea typeface="MS PGothic" pitchFamily="-110" charset="-128"/>
+          <a:cs typeface="MS PGothic" pitchFamily="-110" charset="-128"/>
         </a:defRPr>
       </a:lvl1pPr>
       <a:lvl2pPr algn="l" rtl="0" eaLnBrk="0" fontAlgn="base" hangingPunct="0">
@@ -4173,9 +4092,9 @@
           <a:solidFill>
             <a:schemeClr val="tx1"/>
           </a:solidFill>
-          <a:latin typeface="Verdana" pitchFamily="-110" charset="0"/>
-          <a:ea typeface="ＭＳ Ｐゴシック" pitchFamily="-110" charset="-128"/>
-          <a:cs typeface="ＭＳ Ｐゴシック" pitchFamily="-110" charset="-128"/>
+          <a:latin typeface="Verdana" panose="020B0604030504040204" pitchFamily="-110" charset="0"/>
+          <a:ea typeface="MS PGothic" pitchFamily="-110" charset="-128"/>
+          <a:cs typeface="MS PGothic" pitchFamily="-110" charset="-128"/>
         </a:defRPr>
       </a:lvl2pPr>
       <a:lvl3pPr algn="l" rtl="0" eaLnBrk="0" fontAlgn="base" hangingPunct="0">
@@ -4189,9 +4108,9 @@
           <a:solidFill>
             <a:schemeClr val="tx1"/>
           </a:solidFill>
-          <a:latin typeface="Verdana" pitchFamily="-110" charset="0"/>
-          <a:ea typeface="ＭＳ Ｐゴシック" pitchFamily="-110" charset="-128"/>
-          <a:cs typeface="ＭＳ Ｐゴシック" pitchFamily="-110" charset="-128"/>
+          <a:latin typeface="Verdana" panose="020B0604030504040204" pitchFamily="-110" charset="0"/>
+          <a:ea typeface="MS PGothic" pitchFamily="-110" charset="-128"/>
+          <a:cs typeface="MS PGothic" pitchFamily="-110" charset="-128"/>
         </a:defRPr>
       </a:lvl3pPr>
       <a:lvl4pPr algn="l" rtl="0" eaLnBrk="0" fontAlgn="base" hangingPunct="0">
@@ -4205,9 +4124,9 @@
           <a:solidFill>
             <a:schemeClr val="tx1"/>
           </a:solidFill>
-          <a:latin typeface="Verdana" pitchFamily="-110" charset="0"/>
-          <a:ea typeface="ＭＳ Ｐゴシック" pitchFamily="-110" charset="-128"/>
-          <a:cs typeface="ＭＳ Ｐゴシック" pitchFamily="-110" charset="-128"/>
+          <a:latin typeface="Verdana" panose="020B0604030504040204" pitchFamily="-110" charset="0"/>
+          <a:ea typeface="MS PGothic" pitchFamily="-110" charset="-128"/>
+          <a:cs typeface="MS PGothic" pitchFamily="-110" charset="-128"/>
         </a:defRPr>
       </a:lvl4pPr>
       <a:lvl5pPr algn="l" rtl="0" eaLnBrk="0" fontAlgn="base" hangingPunct="0">
@@ -4221,9 +4140,9 @@
           <a:solidFill>
             <a:schemeClr val="tx1"/>
           </a:solidFill>
-          <a:latin typeface="Verdana" pitchFamily="-110" charset="0"/>
-          <a:ea typeface="ＭＳ Ｐゴシック" pitchFamily="-110" charset="-128"/>
-          <a:cs typeface="ＭＳ Ｐゴシック" pitchFamily="-110" charset="-128"/>
+          <a:latin typeface="Verdana" panose="020B0604030504040204" pitchFamily="-110" charset="0"/>
+          <a:ea typeface="MS PGothic" pitchFamily="-110" charset="-128"/>
+          <a:cs typeface="MS PGothic" pitchFamily="-110" charset="-128"/>
         </a:defRPr>
       </a:lvl5pPr>
       <a:lvl6pPr marL="457200" algn="l" rtl="0" eaLnBrk="0" fontAlgn="base" hangingPunct="0">
@@ -4237,7 +4156,7 @@
           <a:solidFill>
             <a:schemeClr val="tx1"/>
           </a:solidFill>
-          <a:latin typeface="Verdana" pitchFamily="-110" charset="0"/>
+          <a:latin typeface="Verdana" panose="020B0604030504040204" pitchFamily="-110" charset="0"/>
         </a:defRPr>
       </a:lvl6pPr>
       <a:lvl7pPr marL="914400" algn="l" rtl="0" eaLnBrk="0" fontAlgn="base" hangingPunct="0">
@@ -4251,7 +4170,7 @@
           <a:solidFill>
             <a:schemeClr val="tx1"/>
           </a:solidFill>
-          <a:latin typeface="Verdana" pitchFamily="-110" charset="0"/>
+          <a:latin typeface="Verdana" panose="020B0604030504040204" pitchFamily="-110" charset="0"/>
         </a:defRPr>
       </a:lvl7pPr>
       <a:lvl8pPr marL="1371600" algn="l" rtl="0" eaLnBrk="0" fontAlgn="base" hangingPunct="0">
@@ -4265,7 +4184,7 @@
           <a:solidFill>
             <a:schemeClr val="tx1"/>
           </a:solidFill>
-          <a:latin typeface="Verdana" pitchFamily="-110" charset="0"/>
+          <a:latin typeface="Verdana" panose="020B0604030504040204" pitchFamily="-110" charset="0"/>
         </a:defRPr>
       </a:lvl8pPr>
       <a:lvl9pPr marL="1828800" algn="l" rtl="0" eaLnBrk="0" fontAlgn="base" hangingPunct="0">
@@ -4279,12 +4198,12 @@
           <a:solidFill>
             <a:schemeClr val="tx1"/>
           </a:solidFill>
-          <a:latin typeface="Verdana" pitchFamily="-110" charset="0"/>
+          <a:latin typeface="Verdana" panose="020B0604030504040204" pitchFamily="-110" charset="0"/>
         </a:defRPr>
       </a:lvl9pPr>
     </p:titleStyle>
     <p:bodyStyle>
-      <a:lvl1pPr marL="290513" indent="-290513" algn="l" rtl="0" eaLnBrk="0" fontAlgn="base" hangingPunct="0">
+      <a:lvl1pPr marL="290830" indent="-290830" algn="l" rtl="0" eaLnBrk="0" fontAlgn="base" hangingPunct="0">
         <a:spcBef>
           <a:spcPct val="20000"/>
         </a:spcBef>
@@ -4295,18 +4214,18 @@
           <a:schemeClr val="tx2"/>
         </a:buClr>
         <a:buSzPct val="65000"/>
-        <a:buFont typeface="Wingdings" pitchFamily="2" charset="2"/>
+        <a:buFont typeface="Wingdings" panose="05000000000000000000" pitchFamily="2" charset="2"/>
         <a:buChar char=""/>
         <a:defRPr sz="2400">
           <a:solidFill>
             <a:srgbClr val="000000"/>
           </a:solidFill>
           <a:latin typeface="+mn-lt"/>
-          <a:ea typeface="ＭＳ Ｐゴシック" pitchFamily="-110" charset="-128"/>
-          <a:cs typeface="ＭＳ Ｐゴシック" pitchFamily="-110" charset="-128"/>
+          <a:ea typeface="MS PGothic" pitchFamily="-110" charset="-128"/>
+          <a:cs typeface="MS PGothic" pitchFamily="-110" charset="-128"/>
         </a:defRPr>
       </a:lvl1pPr>
-      <a:lvl2pPr marL="633413" indent="-228600" algn="l" rtl="0" eaLnBrk="0" fontAlgn="base" hangingPunct="0">
+      <a:lvl2pPr marL="633730" indent="-228600" algn="l" rtl="0" eaLnBrk="0" fontAlgn="base" hangingPunct="0">
         <a:spcBef>
           <a:spcPct val="20000"/>
         </a:spcBef>
@@ -4322,11 +4241,11 @@
             <a:srgbClr val="000000"/>
           </a:solidFill>
           <a:latin typeface="+mn-lt"/>
-          <a:ea typeface="ＭＳ Ｐゴシック" pitchFamily="-110" charset="-128"/>
-          <a:cs typeface="ＭＳ Ｐゴシック"/>
+          <a:ea typeface="MS PGothic" pitchFamily="-110" charset="-128"/>
+          <a:cs typeface="MS PGothic"/>
         </a:defRPr>
       </a:lvl2pPr>
-      <a:lvl3pPr marL="969963" indent="-222250" algn="l" rtl="0" eaLnBrk="0" fontAlgn="base" hangingPunct="0">
+      <a:lvl3pPr marL="970280" indent="-222250" algn="l" rtl="0" eaLnBrk="0" fontAlgn="base" hangingPunct="0">
         <a:spcBef>
           <a:spcPct val="20000"/>
         </a:spcBef>
@@ -4339,11 +4258,11 @@
             <a:srgbClr val="000000"/>
           </a:solidFill>
           <a:latin typeface="+mn-lt"/>
-          <a:ea typeface="ＭＳ Ｐゴシック" pitchFamily="-110" charset="-128"/>
-          <a:cs typeface="ＭＳ Ｐゴシック"/>
+          <a:ea typeface="MS PGothic" pitchFamily="-110" charset="-128"/>
+          <a:cs typeface="MS PGothic"/>
         </a:defRPr>
       </a:lvl3pPr>
-      <a:lvl4pPr marL="1258888" indent="-228600" algn="l" rtl="0" eaLnBrk="0" fontAlgn="base" hangingPunct="0">
+      <a:lvl4pPr marL="1259205" indent="-228600" algn="l" rtl="0" eaLnBrk="0" fontAlgn="base" hangingPunct="0">
         <a:spcBef>
           <a:spcPct val="0"/>
         </a:spcBef>
@@ -4361,11 +4280,11 @@
             <a:srgbClr val="000000"/>
           </a:solidFill>
           <a:latin typeface="+mn-lt"/>
-          <a:ea typeface="ＭＳ Ｐゴシック" pitchFamily="-110" charset="-128"/>
-          <a:cs typeface="ＭＳ Ｐゴシック"/>
+          <a:ea typeface="MS PGothic" pitchFamily="-110" charset="-128"/>
+          <a:cs typeface="MS PGothic"/>
         </a:defRPr>
       </a:lvl4pPr>
-      <a:lvl5pPr marL="2055813" indent="-230188" algn="l" rtl="0" eaLnBrk="0" fontAlgn="base" hangingPunct="0">
+      <a:lvl5pPr marL="2056130" indent="-230505" algn="l" rtl="0" eaLnBrk="0" fontAlgn="base" hangingPunct="0">
         <a:spcBef>
           <a:spcPct val="20000"/>
         </a:spcBef>
@@ -4379,12 +4298,12 @@
           <a:solidFill>
             <a:schemeClr val="tx1"/>
           </a:solidFill>
-          <a:latin typeface="Times New Roman" pitchFamily="-110" charset="0"/>
-          <a:ea typeface="ＭＳ Ｐゴシック" pitchFamily="-110" charset="-128"/>
-          <a:cs typeface="ＭＳ Ｐゴシック"/>
+          <a:latin typeface="Times New Roman" panose="02020603050405020304" pitchFamily="-110" charset="0"/>
+          <a:ea typeface="MS PGothic" pitchFamily="-110" charset="-128"/>
+          <a:cs typeface="MS PGothic"/>
         </a:defRPr>
       </a:lvl5pPr>
-      <a:lvl6pPr marL="2513013" indent="-230188" algn="l" rtl="0" eaLnBrk="0" fontAlgn="base" hangingPunct="0">
+      <a:lvl6pPr marL="2513330" indent="-230505" algn="l" rtl="0" eaLnBrk="0" fontAlgn="base" hangingPunct="0">
         <a:spcBef>
           <a:spcPct val="20000"/>
         </a:spcBef>
@@ -4398,11 +4317,11 @@
           <a:solidFill>
             <a:schemeClr val="tx1"/>
           </a:solidFill>
-          <a:latin typeface="Times New Roman" pitchFamily="-110" charset="0"/>
-          <a:ea typeface="ＭＳ Ｐゴシック" pitchFamily="-110" charset="-128"/>
+          <a:latin typeface="Times New Roman" panose="02020603050405020304" pitchFamily="-110" charset="0"/>
+          <a:ea typeface="MS PGothic" pitchFamily="-110" charset="-128"/>
         </a:defRPr>
       </a:lvl6pPr>
-      <a:lvl7pPr marL="2970213" indent="-230188" algn="l" rtl="0" eaLnBrk="0" fontAlgn="base" hangingPunct="0">
+      <a:lvl7pPr marL="2970530" indent="-230505" algn="l" rtl="0" eaLnBrk="0" fontAlgn="base" hangingPunct="0">
         <a:spcBef>
           <a:spcPct val="20000"/>
         </a:spcBef>
@@ -4416,11 +4335,11 @@
           <a:solidFill>
             <a:schemeClr val="tx1"/>
           </a:solidFill>
-          <a:latin typeface="Times New Roman" pitchFamily="-110" charset="0"/>
-          <a:ea typeface="ＭＳ Ｐゴシック" pitchFamily="-110" charset="-128"/>
+          <a:latin typeface="Times New Roman" panose="02020603050405020304" pitchFamily="-110" charset="0"/>
+          <a:ea typeface="MS PGothic" pitchFamily="-110" charset="-128"/>
         </a:defRPr>
       </a:lvl7pPr>
-      <a:lvl8pPr marL="3427413" indent="-230188" algn="l" rtl="0" eaLnBrk="0" fontAlgn="base" hangingPunct="0">
+      <a:lvl8pPr marL="3427730" indent="-230505" algn="l" rtl="0" eaLnBrk="0" fontAlgn="base" hangingPunct="0">
         <a:spcBef>
           <a:spcPct val="20000"/>
         </a:spcBef>
@@ -4434,11 +4353,11 @@
           <a:solidFill>
             <a:schemeClr val="tx1"/>
           </a:solidFill>
-          <a:latin typeface="Times New Roman" pitchFamily="-110" charset="0"/>
-          <a:ea typeface="ＭＳ Ｐゴシック" pitchFamily="-110" charset="-128"/>
+          <a:latin typeface="Times New Roman" panose="02020603050405020304" pitchFamily="-110" charset="0"/>
+          <a:ea typeface="MS PGothic" pitchFamily="-110" charset="-128"/>
         </a:defRPr>
       </a:lvl8pPr>
-      <a:lvl9pPr marL="3884613" indent="-230188" algn="l" rtl="0" eaLnBrk="0" fontAlgn="base" hangingPunct="0">
+      <a:lvl9pPr marL="3884930" indent="-230505" algn="l" rtl="0" eaLnBrk="0" fontAlgn="base" hangingPunct="0">
         <a:spcBef>
           <a:spcPct val="20000"/>
         </a:spcBef>
@@ -4452,8 +4371,8 @@
           <a:solidFill>
             <a:schemeClr val="tx1"/>
           </a:solidFill>
-          <a:latin typeface="Times New Roman" pitchFamily="-110" charset="0"/>
-          <a:ea typeface="ＭＳ Ｐゴシック" pitchFamily="-110" charset="-128"/>
+          <a:latin typeface="Times New Roman" panose="02020603050405020304" pitchFamily="-110" charset="0"/>
+          <a:ea typeface="MS PGothic" pitchFamily="-110" charset="-128"/>
         </a:defRPr>
       </a:lvl9pPr>
     </p:bodyStyle>
@@ -4557,7 +4476,7 @@
 </file>
 
 <file path=ppt/slides/slide1.xml><?xml version="1.0" encoding="utf-8"?>
-<p:sld xmlns:a="http://schemas.openxmlformats.org/drawingml/2006/main" xmlns:p="http://schemas.openxmlformats.org/presentationml/2006/main" xmlns:r="http://schemas.openxmlformats.org/officeDocument/2006/relationships">
+<p:sld xmlns:a="http://schemas.openxmlformats.org/drawingml/2006/main" xmlns:r="http://schemas.openxmlformats.org/officeDocument/2006/relationships" xmlns:p="http://schemas.openxmlformats.org/presentationml/2006/main">
   <p:cSld>
     <p:spTree>
       <p:nvGrpSpPr>
@@ -4573,7 +4492,7 @@
             <a:spLocks noGrp="1"/>
           </p:cNvSpPr>
           <p:nvPr>
-            <p:ph type="subTitle" idx="1" sz="quarter"/>
+            <p:ph type="subTitle" sz="quarter" idx="1"/>
           </p:nvPr>
         </p:nvSpPr>
         <p:spPr/>
@@ -4617,20 +4536,12 @@
         </p:nvSpPr>
         <p:spPr/>
         <p:txBody>
-          <a:bodyPr wrap="square">
-            <a:noAutofit/>
-          </a:bodyPr>
-          <a:lstStyle/>
-          <a:p>
-            <a:r>
-              <a:rPr sz="4200" b="1" i="0">
-                <a:latin typeface="Times New Roman"/>
-              </a:rPr>
+          <a:bodyPr/>
+          <a:lstStyle/>
+          <a:p>
+            <a:r>
               <a:t>Consul</a:t>
             </a:r>
-            <a:endParaRPr sz="4200" b="1" i="0">
-              <a:latin typeface="Times New Roman"/>
-            </a:endParaRPr>
           </a:p>
         </p:txBody>
       </p:sp>
@@ -4664,6 +4575,11 @@
               </a:rPr>
               <a:t>Copyright © 2021 by Elephant Scale, All Rights Reserved</a:t>
             </a:r>
+            <a:endParaRPr sz="800">
+              <a:solidFill>
+                <a:srgbClr val="000000"/>
+              </a:solidFill>
+            </a:endParaRPr>
           </a:p>
         </p:txBody>
       </p:sp>
@@ -4676,7 +4592,7 @@
 </file>
 
 <file path=ppt/slides/slide10.xml><?xml version="1.0" encoding="utf-8"?>
-<p:sld xmlns:a="http://schemas.openxmlformats.org/drawingml/2006/main" xmlns:p="http://schemas.openxmlformats.org/presentationml/2006/main" xmlns:r="http://schemas.openxmlformats.org/officeDocument/2006/relationships">
+<p:sld xmlns:a="http://schemas.openxmlformats.org/drawingml/2006/main" xmlns:r="http://schemas.openxmlformats.org/officeDocument/2006/relationships" xmlns:p="http://schemas.openxmlformats.org/presentationml/2006/main">
   <p:cSld>
     <p:spTree>
       <p:nvGrpSpPr>
@@ -4764,6 +4680,11 @@
               </a:rPr>
               <a:t>Copyright © 2021 by Elephant Scale, All Rights Reserved</a:t>
             </a:r>
+            <a:endParaRPr sz="800">
+              <a:solidFill>
+                <a:srgbClr val="000000"/>
+              </a:solidFill>
+            </a:endParaRPr>
           </a:p>
         </p:txBody>
       </p:sp>
@@ -4776,14 +4697,14 @@
           <p:nvPr/>
         </p:nvPicPr>
         <p:blipFill>
-          <a:blip r:embed="rId2"/>
+          <a:blip r:embed="rId1"/>
           <a:stretch>
             <a:fillRect/>
           </a:stretch>
         </p:blipFill>
         <p:spPr>
           <a:xfrm>
-            <a:off x="704088" y="914400"/>
+            <a:off x="647573" y="1253490"/>
             <a:ext cx="7507224" cy="4471871"/>
           </a:xfrm>
           <a:prstGeom prst="rect">
@@ -4800,7 +4721,7 @@
 </file>
 
 <file path=ppt/slides/slide11.xml><?xml version="1.0" encoding="utf-8"?>
-<p:sld xmlns:a="http://schemas.openxmlformats.org/drawingml/2006/main" xmlns:p="http://schemas.openxmlformats.org/presentationml/2006/main" xmlns:r="http://schemas.openxmlformats.org/officeDocument/2006/relationships">
+<p:sld xmlns:a="http://schemas.openxmlformats.org/drawingml/2006/main" xmlns:r="http://schemas.openxmlformats.org/officeDocument/2006/relationships" xmlns:p="http://schemas.openxmlformats.org/presentationml/2006/main">
   <p:cSld>
     <p:spTree>
       <p:nvGrpSpPr>
@@ -4890,6 +4811,11 @@
               </a:rPr>
               <a:t>Copyright © 2021 by Elephant Scale, All Rights Reserved</a:t>
             </a:r>
+            <a:endParaRPr sz="800">
+              <a:solidFill>
+                <a:srgbClr val="000000"/>
+              </a:solidFill>
+            </a:endParaRPr>
           </a:p>
         </p:txBody>
       </p:sp>
@@ -4902,14 +4828,14 @@
           <p:nvPr/>
         </p:nvPicPr>
         <p:blipFill>
-          <a:blip r:embed="rId2"/>
+          <a:blip r:embed="rId1"/>
           <a:stretch>
             <a:fillRect/>
           </a:stretch>
         </p:blipFill>
         <p:spPr>
           <a:xfrm>
-            <a:off x="704088" y="914400"/>
+            <a:off x="704088" y="1253490"/>
             <a:ext cx="7507224" cy="4928903"/>
           </a:xfrm>
           <a:prstGeom prst="rect">
@@ -4926,7 +4852,7 @@
 </file>
 
 <file path=ppt/slides/slide12.xml><?xml version="1.0" encoding="utf-8"?>
-<p:sld xmlns:a="http://schemas.openxmlformats.org/drawingml/2006/main" xmlns:p="http://schemas.openxmlformats.org/presentationml/2006/main" xmlns:r="http://schemas.openxmlformats.org/officeDocument/2006/relationships">
+<p:sld xmlns:a="http://schemas.openxmlformats.org/drawingml/2006/main" xmlns:r="http://schemas.openxmlformats.org/officeDocument/2006/relationships" xmlns:p="http://schemas.openxmlformats.org/presentationml/2006/main">
   <p:cSld>
     <p:spTree>
       <p:nvGrpSpPr>
@@ -5009,6 +4935,11 @@
               </a:rPr>
               <a:t>Copyright © 2021 by Elephant Scale, All Rights Reserved</a:t>
             </a:r>
+            <a:endParaRPr sz="800">
+              <a:solidFill>
+                <a:srgbClr val="000000"/>
+              </a:solidFill>
+            </a:endParaRPr>
           </a:p>
         </p:txBody>
       </p:sp>
@@ -5021,7 +4952,7 @@
           <p:nvPr/>
         </p:nvPicPr>
         <p:blipFill>
-          <a:blip r:embed="rId2"/>
+          <a:blip r:embed="rId1"/>
           <a:stretch>
             <a:fillRect/>
           </a:stretch>
@@ -5045,7 +4976,7 @@
 </file>
 
 <file path=ppt/slides/slide13.xml><?xml version="1.0" encoding="utf-8"?>
-<p:sld xmlns:a="http://schemas.openxmlformats.org/drawingml/2006/main" xmlns:p="http://schemas.openxmlformats.org/presentationml/2006/main" xmlns:r="http://schemas.openxmlformats.org/officeDocument/2006/relationships">
+<p:sld xmlns:a="http://schemas.openxmlformats.org/drawingml/2006/main" xmlns:r="http://schemas.openxmlformats.org/officeDocument/2006/relationships" xmlns:p="http://schemas.openxmlformats.org/presentationml/2006/main">
   <p:cSld>
     <p:spTree>
       <p:nvGrpSpPr>
@@ -5129,6 +5060,11 @@
               </a:rPr>
               <a:t>Copyright © 2021 by Elephant Scale, All Rights Reserved</a:t>
             </a:r>
+            <a:endParaRPr sz="800">
+              <a:solidFill>
+                <a:srgbClr val="000000"/>
+              </a:solidFill>
+            </a:endParaRPr>
           </a:p>
         </p:txBody>
       </p:sp>
@@ -5141,7 +5077,7 @@
           <p:nvPr/>
         </p:nvPicPr>
         <p:blipFill>
-          <a:blip r:embed="rId2"/>
+          <a:blip r:embed="rId1"/>
           <a:stretch>
             <a:fillRect/>
           </a:stretch>
@@ -5165,7 +5101,7 @@
 </file>
 
 <file path=ppt/slides/slide14.xml><?xml version="1.0" encoding="utf-8"?>
-<p:sld xmlns:a="http://schemas.openxmlformats.org/drawingml/2006/main" xmlns:p="http://schemas.openxmlformats.org/presentationml/2006/main" xmlns:r="http://schemas.openxmlformats.org/officeDocument/2006/relationships">
+<p:sld xmlns:a="http://schemas.openxmlformats.org/drawingml/2006/main" xmlns:r="http://schemas.openxmlformats.org/officeDocument/2006/relationships" xmlns:p="http://schemas.openxmlformats.org/presentationml/2006/main">
   <p:cSld>
     <p:spTree>
       <p:nvGrpSpPr>
@@ -5247,6 +5183,11 @@
               </a:rPr>
               <a:t>Copyright © 2021 by Elephant Scale, All Rights Reserved</a:t>
             </a:r>
+            <a:endParaRPr sz="800">
+              <a:solidFill>
+                <a:srgbClr val="000000"/>
+              </a:solidFill>
+            </a:endParaRPr>
           </a:p>
         </p:txBody>
       </p:sp>
@@ -5259,7 +5200,7 @@
           <p:nvPr/>
         </p:nvPicPr>
         <p:blipFill>
-          <a:blip r:embed="rId2"/>
+          <a:blip r:embed="rId1"/>
           <a:stretch>
             <a:fillRect/>
           </a:stretch>
@@ -5283,7 +5224,7 @@
 </file>
 
 <file path=ppt/slides/slide15.xml><?xml version="1.0" encoding="utf-8"?>
-<p:sld xmlns:a="http://schemas.openxmlformats.org/drawingml/2006/main" xmlns:p="http://schemas.openxmlformats.org/presentationml/2006/main" xmlns:r="http://schemas.openxmlformats.org/officeDocument/2006/relationships">
+<p:sld xmlns:a="http://schemas.openxmlformats.org/drawingml/2006/main" xmlns:r="http://schemas.openxmlformats.org/officeDocument/2006/relationships" xmlns:p="http://schemas.openxmlformats.org/presentationml/2006/main">
   <p:cSld>
     <p:spTree>
       <p:nvGrpSpPr>
@@ -5370,6 +5311,11 @@
               </a:rPr>
               <a:t>Copyright © 2021 by Elephant Scale, All Rights Reserved</a:t>
             </a:r>
+            <a:endParaRPr sz="800">
+              <a:solidFill>
+                <a:srgbClr val="000000"/>
+              </a:solidFill>
+            </a:endParaRPr>
           </a:p>
         </p:txBody>
       </p:sp>
@@ -5382,7 +5328,7 @@
           <p:nvPr/>
         </p:nvPicPr>
         <p:blipFill>
-          <a:blip r:embed="rId2"/>
+          <a:blip r:embed="rId1"/>
           <a:stretch>
             <a:fillRect/>
           </a:stretch>
@@ -5406,7 +5352,7 @@
 </file>
 
 <file path=ppt/slides/slide16.xml><?xml version="1.0" encoding="utf-8"?>
-<p:sld xmlns:a="http://schemas.openxmlformats.org/drawingml/2006/main" xmlns:p="http://schemas.openxmlformats.org/presentationml/2006/main" xmlns:r="http://schemas.openxmlformats.org/officeDocument/2006/relationships">
+<p:sld xmlns:a="http://schemas.openxmlformats.org/drawingml/2006/main" xmlns:r="http://schemas.openxmlformats.org/officeDocument/2006/relationships" xmlns:p="http://schemas.openxmlformats.org/presentationml/2006/main">
   <p:cSld>
     <p:spTree>
       <p:nvGrpSpPr>
@@ -5496,6 +5442,11 @@
               </a:rPr>
               <a:t>Copyright © 2021 by Elephant Scale, All Rights Reserved</a:t>
             </a:r>
+            <a:endParaRPr sz="800">
+              <a:solidFill>
+                <a:srgbClr val="000000"/>
+              </a:solidFill>
+            </a:endParaRPr>
           </a:p>
         </p:txBody>
       </p:sp>
@@ -5508,7 +5459,7 @@
           <p:nvPr/>
         </p:nvPicPr>
         <p:blipFill>
-          <a:blip r:embed="rId2"/>
+          <a:blip r:embed="rId1"/>
           <a:stretch>
             <a:fillRect/>
           </a:stretch>
@@ -5532,7 +5483,7 @@
 </file>
 
 <file path=ppt/slides/slide17.xml><?xml version="1.0" encoding="utf-8"?>
-<p:sld xmlns:a="http://schemas.openxmlformats.org/drawingml/2006/main" xmlns:p="http://schemas.openxmlformats.org/presentationml/2006/main" xmlns:r="http://schemas.openxmlformats.org/officeDocument/2006/relationships">
+<p:sld xmlns:a="http://schemas.openxmlformats.org/drawingml/2006/main" xmlns:r="http://schemas.openxmlformats.org/officeDocument/2006/relationships" xmlns:p="http://schemas.openxmlformats.org/presentationml/2006/main">
   <p:cSld>
     <p:spTree>
       <p:nvGrpSpPr>
@@ -5584,10 +5535,13 @@
           <a:p>
             <a:r>
               <a:rPr>
-                <a:hlinkClick r:id="rId2"/>
+                <a:hlinkClick r:id="rId1"/>
               </a:rPr>
               <a:t> https://github.com/elephantscale/vault-consul-labs-answers/tree/main/lab31</a:t>
             </a:r>
+            <a:endParaRPr>
+              <a:hlinkClick r:id="rId1"/>
+            </a:endParaRPr>
           </a:p>
         </p:txBody>
       </p:sp>
@@ -5621,6 +5575,11 @@
               </a:rPr>
               <a:t>Copyright © 2021 by Elephant Scale, All Rights Reserved</a:t>
             </a:r>
+            <a:endParaRPr sz="800">
+              <a:solidFill>
+                <a:srgbClr val="000000"/>
+              </a:solidFill>
+            </a:endParaRPr>
           </a:p>
         </p:txBody>
       </p:sp>
@@ -5633,7 +5592,7 @@
 </file>
 
 <file path=ppt/slides/slide18.xml><?xml version="1.0" encoding="utf-8"?>
-<p:sld xmlns:a="http://schemas.openxmlformats.org/drawingml/2006/main" xmlns:p="http://schemas.openxmlformats.org/presentationml/2006/main" xmlns:r="http://schemas.openxmlformats.org/officeDocument/2006/relationships">
+<p:sld xmlns:a="http://schemas.openxmlformats.org/drawingml/2006/main" xmlns:r="http://schemas.openxmlformats.org/officeDocument/2006/relationships" xmlns:p="http://schemas.openxmlformats.org/presentationml/2006/main">
   <p:cSld>
     <p:spTree>
       <p:nvGrpSpPr>
@@ -5649,7 +5608,7 @@
             <a:spLocks noGrp="1"/>
           </p:cNvSpPr>
           <p:nvPr>
-            <p:ph type="subTitle" idx="1" sz="quarter"/>
+            <p:ph type="subTitle" sz="quarter" idx="1"/>
           </p:nvPr>
         </p:nvSpPr>
         <p:spPr/>
@@ -5665,11 +5624,11 @@
 </a:t>
             </a:r>
             <a:r>
-              <a:rPr b="1"/>
               <a:t>Microservices
 </a:t>
             </a:r>
             <a:r>
+              <a:rPr b="1"/>
               <a:t>Consul for Service Discovery
 </a:t>
             </a:r>
@@ -5692,20 +5651,12 @@
         </p:nvSpPr>
         <p:spPr/>
         <p:txBody>
-          <a:bodyPr wrap="square">
-            <a:noAutofit/>
-          </a:bodyPr>
-          <a:lstStyle/>
-          <a:p>
-            <a:r>
-              <a:rPr sz="4200" b="1" i="0">
-                <a:latin typeface="Times New Roman"/>
-              </a:rPr>
-              <a:t>Microservices</a:t>
-            </a:r>
-            <a:endParaRPr sz="4200" b="1" i="0">
-              <a:latin typeface="Times New Roman"/>
-            </a:endParaRPr>
+          <a:bodyPr/>
+          <a:lstStyle/>
+          <a:p>
+            <a:r>
+              <a:t>Consul for Service Discovery</a:t>
+            </a:r>
           </a:p>
         </p:txBody>
       </p:sp>
@@ -5739,6 +5690,11 @@
               </a:rPr>
               <a:t>Copyright © 2021 by Elephant Scale, All Rights Reserved</a:t>
             </a:r>
+            <a:endParaRPr sz="800">
+              <a:solidFill>
+                <a:srgbClr val="000000"/>
+              </a:solidFill>
+            </a:endParaRPr>
           </a:p>
         </p:txBody>
       </p:sp>
@@ -5751,7 +5707,7 @@
 </file>
 
 <file path=ppt/slides/slide19.xml><?xml version="1.0" encoding="utf-8"?>
-<p:sld xmlns:a="http://schemas.openxmlformats.org/drawingml/2006/main" xmlns:p="http://schemas.openxmlformats.org/presentationml/2006/main" xmlns:r="http://schemas.openxmlformats.org/officeDocument/2006/relationships">
+<p:sld xmlns:a="http://schemas.openxmlformats.org/drawingml/2006/main" xmlns:r="http://schemas.openxmlformats.org/officeDocument/2006/relationships" xmlns:p="http://schemas.openxmlformats.org/presentationml/2006/main">
   <p:cSld>
     <p:spTree>
       <p:nvGrpSpPr>
@@ -5776,7 +5732,7 @@
           <a:lstStyle/>
           <a:p>
             <a:r>
-              <a:t>Microservices - insert the microservices slides here</a:t>
+              <a:t>Why service discovery?</a:t>
             </a:r>
           </a:p>
         </p:txBody>
@@ -5795,7 +5751,44 @@
         <p:txBody>
           <a:bodyPr/>
           <a:lstStyle/>
-          <a:p/>
+          <a:p>
+            <a:r>
+              <a:t> Applications are running on dynamic infrastructure</a:t>
+            </a:r>
+          </a:p>
+          <a:p>
+            <a:r>
+              <a:t> Need to determine services are running and how they can be accessed</a:t>
+            </a:r>
+          </a:p>
+          <a:p>
+            <a:r>
+              <a:t> HashiCorp provides a solution, and it is Consul</a:t>
+            </a:r>
+          </a:p>
+          <a:p>
+            <a:r>
+              <a:t> How?</a:t>
+            </a:r>
+          </a:p>
+          <a:p>
+            <a:pPr lvl="1"/>
+            <a:r>
+              <a:t> applications and services register with Consul</a:t>
+            </a:r>
+          </a:p>
+          <a:p>
+            <a:pPr lvl="1"/>
+            <a:r>
+              <a:t> service registry is populated</a:t>
+            </a:r>
+          </a:p>
+          <a:p>
+            <a:pPr lvl="1"/>
+            <a:r>
+              <a:t> connect to critical services throughout the organization</a:t>
+            </a:r>
+          </a:p>
         </p:txBody>
       </p:sp>
       <p:sp>
@@ -5828,6 +5821,11 @@
               </a:rPr>
               <a:t>Copyright © 2021 by Elephant Scale, All Rights Reserved</a:t>
             </a:r>
+            <a:endParaRPr sz="800">
+              <a:solidFill>
+                <a:srgbClr val="000000"/>
+              </a:solidFill>
+            </a:endParaRPr>
           </a:p>
         </p:txBody>
       </p:sp>
@@ -5840,7 +5838,7 @@
 </file>
 
 <file path=ppt/slides/slide2.xml><?xml version="1.0" encoding="utf-8"?>
-<p:sld xmlns:a="http://schemas.openxmlformats.org/drawingml/2006/main" xmlns:p="http://schemas.openxmlformats.org/presentationml/2006/main" xmlns:r="http://schemas.openxmlformats.org/officeDocument/2006/relationships">
+<p:sld xmlns:a="http://schemas.openxmlformats.org/drawingml/2006/main" xmlns:r="http://schemas.openxmlformats.org/officeDocument/2006/relationships" xmlns:p="http://schemas.openxmlformats.org/presentationml/2006/main">
   <p:cSld>
     <p:spTree>
       <p:nvGrpSpPr>
@@ -5856,7 +5854,7 @@
             <a:spLocks noGrp="1"/>
           </p:cNvSpPr>
           <p:nvPr>
-            <p:ph type="subTitle" idx="1" sz="quarter"/>
+            <p:ph type="subTitle" sz="quarter" idx="1"/>
           </p:nvPr>
         </p:nvSpPr>
         <p:spPr/>
@@ -5899,20 +5897,12 @@
         </p:nvSpPr>
         <p:spPr/>
         <p:txBody>
-          <a:bodyPr wrap="square">
-            <a:noAutofit/>
-          </a:bodyPr>
-          <a:lstStyle/>
-          <a:p>
-            <a:r>
-              <a:rPr sz="4200" b="1" i="0">
-                <a:latin typeface="Times New Roman"/>
-              </a:rPr>
+          <a:bodyPr/>
+          <a:lstStyle/>
+          <a:p>
+            <a:r>
               <a:t>Consul overview</a:t>
             </a:r>
-            <a:endParaRPr sz="4200" b="1" i="0">
-              <a:latin typeface="Times New Roman"/>
-            </a:endParaRPr>
           </a:p>
         </p:txBody>
       </p:sp>
@@ -5946,6 +5936,11 @@
               </a:rPr>
               <a:t>Copyright © 2021 by Elephant Scale, All Rights Reserved</a:t>
             </a:r>
+            <a:endParaRPr sz="800">
+              <a:solidFill>
+                <a:srgbClr val="000000"/>
+              </a:solidFill>
+            </a:endParaRPr>
           </a:p>
         </p:txBody>
       </p:sp>
@@ -5958,7 +5953,7 @@
 </file>
 
 <file path=ppt/slides/slide20.xml><?xml version="1.0" encoding="utf-8"?>
-<p:sld xmlns:a="http://schemas.openxmlformats.org/drawingml/2006/main" xmlns:p="http://schemas.openxmlformats.org/presentationml/2006/main" xmlns:r="http://schemas.openxmlformats.org/officeDocument/2006/relationships">
+<p:sld xmlns:a="http://schemas.openxmlformats.org/drawingml/2006/main" xmlns:r="http://schemas.openxmlformats.org/officeDocument/2006/relationships" xmlns:p="http://schemas.openxmlformats.org/presentationml/2006/main">
   <p:cSld>
     <p:spTree>
       <p:nvGrpSpPr>
@@ -5969,69 +5964,48 @@
       <p:grpSpPr/>
       <p:sp>
         <p:nvSpPr>
-          <p:cNvPr id="2" name="Subtitle 1"/>
-          <p:cNvSpPr>
-            <a:spLocks noGrp="1"/>
-          </p:cNvSpPr>
-          <p:nvPr>
-            <p:ph type="subTitle" idx="1" sz="quarter"/>
-          </p:nvPr>
-        </p:nvSpPr>
-        <p:spPr/>
-        <p:txBody>
-          <a:bodyPr/>
-          <a:lstStyle/>
-          <a:p>
-            <a:pPr>
-              <a:defRPr sz="3200"/>
-            </a:pPr>
-            <a:r>
-              <a:t>Consul overview
-</a:t>
-            </a:r>
-            <a:r>
-              <a:t>Microservices
-</a:t>
-            </a:r>
-            <a:r>
-              <a:rPr b="1"/>
-              <a:t>Consul for Service Discovery
-</a:t>
-            </a:r>
-            <a:r>
-              <a:t>Terraform integration
-</a:t>
-            </a:r>
-          </a:p>
-        </p:txBody>
-      </p:sp>
-      <p:sp>
-        <p:nvSpPr>
-          <p:cNvPr id="3" name="Title 2"/>
-          <p:cNvSpPr>
-            <a:spLocks noGrp="1"/>
-          </p:cNvSpPr>
-          <p:nvPr>
-            <p:ph type="ctrTitle" sz="quarter"/>
-          </p:nvPr>
-        </p:nvSpPr>
-        <p:spPr/>
-        <p:txBody>
-          <a:bodyPr wrap="square">
-            <a:noAutofit/>
-          </a:bodyPr>
-          <a:lstStyle/>
-          <a:p>
-            <a:r>
-              <a:rPr sz="4200" b="1" i="0">
-                <a:latin typeface="Times New Roman"/>
-              </a:rPr>
-              <a:t>Consul for Service Discovery</a:t>
-            </a:r>
-            <a:endParaRPr sz="4200" b="1" i="0">
-              <a:latin typeface="Times New Roman"/>
-            </a:endParaRPr>
-          </a:p>
+          <p:cNvPr id="2" name="Title 1"/>
+          <p:cNvSpPr>
+            <a:spLocks noGrp="1"/>
+          </p:cNvSpPr>
+          <p:nvPr>
+            <p:ph type="title"/>
+          </p:nvPr>
+        </p:nvSpPr>
+        <p:spPr/>
+        <p:txBody>
+          <a:bodyPr/>
+          <a:lstStyle/>
+          <a:p>
+            <a:r>
+              <a:t>Consul vs Zookeeper</a:t>
+            </a:r>
+          </a:p>
+        </p:txBody>
+      </p:sp>
+      <p:sp>
+        <p:nvSpPr>
+          <p:cNvPr id="3" name="Content Placeholder 2"/>
+          <p:cNvSpPr>
+            <a:spLocks noGrp="1"/>
+          </p:cNvSpPr>
+          <p:nvPr>
+            <p:ph idx="1"/>
+          </p:nvPr>
+        </p:nvSpPr>
+        <p:spPr/>
+        <p:txBody>
+          <a:bodyPr/>
+          <a:lstStyle/>
+          <a:p/>
+          <a:p/>
+          <a:p/>
+          <a:p/>
+          <a:p/>
+          <a:p/>
+          <a:p/>
+          <a:p/>
+          <a:p/>
         </p:txBody>
       </p:sp>
       <p:sp>
@@ -6064,229 +6038,11 @@
               </a:rPr>
               <a:t>Copyright © 2021 by Elephant Scale, All Rights Reserved</a:t>
             </a:r>
-          </a:p>
-        </p:txBody>
-      </p:sp>
-    </p:spTree>
-  </p:cSld>
-  <p:clrMapOvr>
-    <a:masterClrMapping/>
-  </p:clrMapOvr>
-</p:sld>
-</file>
-
-<file path=ppt/slides/slide21.xml><?xml version="1.0" encoding="utf-8"?>
-<p:sld xmlns:a="http://schemas.openxmlformats.org/drawingml/2006/main" xmlns:p="http://schemas.openxmlformats.org/presentationml/2006/main" xmlns:r="http://schemas.openxmlformats.org/officeDocument/2006/relationships">
-  <p:cSld>
-    <p:spTree>
-      <p:nvGrpSpPr>
-        <p:cNvPr id="1" name=""/>
-        <p:cNvGrpSpPr/>
-        <p:nvPr/>
-      </p:nvGrpSpPr>
-      <p:grpSpPr/>
-      <p:sp>
-        <p:nvSpPr>
-          <p:cNvPr id="2" name="Title 1"/>
-          <p:cNvSpPr>
-            <a:spLocks noGrp="1"/>
-          </p:cNvSpPr>
-          <p:nvPr>
-            <p:ph type="title"/>
-          </p:nvPr>
-        </p:nvSpPr>
-        <p:spPr/>
-        <p:txBody>
-          <a:bodyPr/>
-          <a:lstStyle/>
-          <a:p>
-            <a:r>
-              <a:t>Why service discovery?</a:t>
-            </a:r>
-          </a:p>
-        </p:txBody>
-      </p:sp>
-      <p:sp>
-        <p:nvSpPr>
-          <p:cNvPr id="3" name="Content Placeholder 2"/>
-          <p:cNvSpPr>
-            <a:spLocks noGrp="1"/>
-          </p:cNvSpPr>
-          <p:nvPr>
-            <p:ph idx="1"/>
-          </p:nvPr>
-        </p:nvSpPr>
-        <p:spPr/>
-        <p:txBody>
-          <a:bodyPr/>
-          <a:lstStyle/>
-          <a:p>
-            <a:r>
-              <a:t> Applications are running on dynamic infrastructure</a:t>
-            </a:r>
-          </a:p>
-          <a:p>
-            <a:r>
-              <a:t> Need to determine services are running and how they can be accessed</a:t>
-            </a:r>
-          </a:p>
-          <a:p>
-            <a:r>
-              <a:t> HashiCorp provides a solution, and it is Consul</a:t>
-            </a:r>
-          </a:p>
-          <a:p>
-            <a:r>
-              <a:t> How?</a:t>
-            </a:r>
-          </a:p>
-          <a:p>
-            <a:pPr lvl="1"/>
-            <a:r>
-              <a:t> applications and services register with Consul</a:t>
-            </a:r>
-          </a:p>
-          <a:p>
-            <a:pPr lvl="1"/>
-            <a:r>
-              <a:t> service registry is populated</a:t>
-            </a:r>
-          </a:p>
-          <a:p>
-            <a:pPr lvl="1"/>
-            <a:r>
-              <a:t> connect to critical services throughout the organization</a:t>
-            </a:r>
-          </a:p>
-        </p:txBody>
-      </p:sp>
-      <p:sp>
-        <p:nvSpPr>
-          <p:cNvPr id="4" name="TextBox 3"/>
-          <p:cNvSpPr txBox="1"/>
-          <p:nvPr/>
-        </p:nvSpPr>
-        <p:spPr>
-          <a:xfrm>
-            <a:off x="704088" y="8065008"/>
-            <a:ext cx="8915400" cy="228600"/>
-          </a:xfrm>
-          <a:prstGeom prst="rect">
-            <a:avLst/>
-          </a:prstGeom>
-          <a:noFill/>
-        </p:spPr>
-        <p:txBody>
-          <a:bodyPr wrap="none">
-            <a:spAutoFit/>
-          </a:bodyPr>
-          <a:lstStyle/>
-          <a:p>
-            <a:r>
-              <a:rPr sz="800">
-                <a:solidFill>
-                  <a:srgbClr val="000000"/>
-                </a:solidFill>
-              </a:rPr>
-              <a:t>Copyright © 2021 by Elephant Scale, All Rights Reserved</a:t>
-            </a:r>
-          </a:p>
-        </p:txBody>
-      </p:sp>
-    </p:spTree>
-  </p:cSld>
-  <p:clrMapOvr>
-    <a:masterClrMapping/>
-  </p:clrMapOvr>
-</p:sld>
-</file>
-
-<file path=ppt/slides/slide22.xml><?xml version="1.0" encoding="utf-8"?>
-<p:sld xmlns:a="http://schemas.openxmlformats.org/drawingml/2006/main" xmlns:p="http://schemas.openxmlformats.org/presentationml/2006/main" xmlns:r="http://schemas.openxmlformats.org/officeDocument/2006/relationships">
-  <p:cSld>
-    <p:spTree>
-      <p:nvGrpSpPr>
-        <p:cNvPr id="1" name=""/>
-        <p:cNvGrpSpPr/>
-        <p:nvPr/>
-      </p:nvGrpSpPr>
-      <p:grpSpPr/>
-      <p:sp>
-        <p:nvSpPr>
-          <p:cNvPr id="2" name="Title 1"/>
-          <p:cNvSpPr>
-            <a:spLocks noGrp="1"/>
-          </p:cNvSpPr>
-          <p:nvPr>
-            <p:ph type="title"/>
-          </p:nvPr>
-        </p:nvSpPr>
-        <p:spPr/>
-        <p:txBody>
-          <a:bodyPr/>
-          <a:lstStyle/>
-          <a:p>
-            <a:r>
-              <a:t>Consul vs Zookeeper</a:t>
-            </a:r>
-          </a:p>
-        </p:txBody>
-      </p:sp>
-      <p:sp>
-        <p:nvSpPr>
-          <p:cNvPr id="3" name="Content Placeholder 2"/>
-          <p:cNvSpPr>
-            <a:spLocks noGrp="1"/>
-          </p:cNvSpPr>
-          <p:nvPr>
-            <p:ph idx="1"/>
-          </p:nvPr>
-        </p:nvSpPr>
-        <p:spPr/>
-        <p:txBody>
-          <a:bodyPr/>
-          <a:lstStyle/>
-          <a:p/>
-          <a:p/>
-          <a:p/>
-          <a:p/>
-          <a:p/>
-          <a:p/>
-          <a:p/>
-          <a:p/>
-          <a:p/>
-        </p:txBody>
-      </p:sp>
-      <p:sp>
-        <p:nvSpPr>
-          <p:cNvPr id="4" name="TextBox 3"/>
-          <p:cNvSpPr txBox="1"/>
-          <p:nvPr/>
-        </p:nvSpPr>
-        <p:spPr>
-          <a:xfrm>
-            <a:off x="704088" y="8065008"/>
-            <a:ext cx="8915400" cy="228600"/>
-          </a:xfrm>
-          <a:prstGeom prst="rect">
-            <a:avLst/>
-          </a:prstGeom>
-          <a:noFill/>
-        </p:spPr>
-        <p:txBody>
-          <a:bodyPr wrap="none">
-            <a:spAutoFit/>
-          </a:bodyPr>
-          <a:lstStyle/>
-          <a:p>
-            <a:r>
-              <a:rPr sz="800">
-                <a:solidFill>
-                  <a:srgbClr val="000000"/>
-                </a:solidFill>
-              </a:rPr>
-              <a:t>Copyright © 2021 by Elephant Scale, All Rights Reserved</a:t>
-            </a:r>
+            <a:endParaRPr sz="800">
+              <a:solidFill>
+                <a:srgbClr val="000000"/>
+              </a:solidFill>
+            </a:endParaRPr>
           </a:p>
         </p:txBody>
       </p:sp>
@@ -6299,7 +6055,7 @@
           <p:nvPr/>
         </p:nvPicPr>
         <p:blipFill>
-          <a:blip r:embed="rId2"/>
+          <a:blip r:embed="rId1"/>
           <a:stretch>
             <a:fillRect/>
           </a:stretch>
@@ -6322,8 +6078,8 @@
 </p:sld>
 </file>
 
-<file path=ppt/slides/slide23.xml><?xml version="1.0" encoding="utf-8"?>
-<p:sld xmlns:a="http://schemas.openxmlformats.org/drawingml/2006/main" xmlns:p="http://schemas.openxmlformats.org/presentationml/2006/main" xmlns:r="http://schemas.openxmlformats.org/officeDocument/2006/relationships">
+<file path=ppt/slides/slide21.xml><?xml version="1.0" encoding="utf-8"?>
+<p:sld xmlns:a="http://schemas.openxmlformats.org/drawingml/2006/main" xmlns:r="http://schemas.openxmlformats.org/officeDocument/2006/relationships" xmlns:p="http://schemas.openxmlformats.org/presentationml/2006/main">
   <p:cSld>
     <p:spTree>
       <p:nvGrpSpPr>
@@ -6413,6 +6169,11 @@
               </a:rPr>
               <a:t>Copyright © 2021 by Elephant Scale, All Rights Reserved</a:t>
             </a:r>
+            <a:endParaRPr sz="800">
+              <a:solidFill>
+                <a:srgbClr val="000000"/>
+              </a:solidFill>
+            </a:endParaRPr>
           </a:p>
         </p:txBody>
       </p:sp>
@@ -6425,7 +6186,7 @@
           <p:nvPr/>
         </p:nvPicPr>
         <p:blipFill>
-          <a:blip r:embed="rId2"/>
+          <a:blip r:embed="rId1"/>
           <a:stretch>
             <a:fillRect/>
           </a:stretch>
@@ -6448,8 +6209,8 @@
 </p:sld>
 </file>
 
-<file path=ppt/slides/slide24.xml><?xml version="1.0" encoding="utf-8"?>
-<p:sld xmlns:a="http://schemas.openxmlformats.org/drawingml/2006/main" xmlns:p="http://schemas.openxmlformats.org/presentationml/2006/main" xmlns:r="http://schemas.openxmlformats.org/officeDocument/2006/relationships">
+<file path=ppt/slides/slide22.xml><?xml version="1.0" encoding="utf-8"?>
+<p:sld xmlns:a="http://schemas.openxmlformats.org/drawingml/2006/main" xmlns:r="http://schemas.openxmlformats.org/officeDocument/2006/relationships" xmlns:p="http://schemas.openxmlformats.org/presentationml/2006/main">
   <p:cSld>
     <p:spTree>
       <p:nvGrpSpPr>
@@ -6550,6 +6311,11 @@
               </a:rPr>
               <a:t>Copyright © 2021 by Elephant Scale, All Rights Reserved</a:t>
             </a:r>
+            <a:endParaRPr sz="800">
+              <a:solidFill>
+                <a:srgbClr val="000000"/>
+              </a:solidFill>
+            </a:endParaRPr>
           </a:p>
         </p:txBody>
       </p:sp>
@@ -6561,8 +6327,8 @@
 </p:sld>
 </file>
 
-<file path=ppt/slides/slide25.xml><?xml version="1.0" encoding="utf-8"?>
-<p:sld xmlns:a="http://schemas.openxmlformats.org/drawingml/2006/main" xmlns:p="http://schemas.openxmlformats.org/presentationml/2006/main" xmlns:r="http://schemas.openxmlformats.org/officeDocument/2006/relationships">
+<file path=ppt/slides/slide23.xml><?xml version="1.0" encoding="utf-8"?>
+<p:sld xmlns:a="http://schemas.openxmlformats.org/drawingml/2006/main" xmlns:r="http://schemas.openxmlformats.org/officeDocument/2006/relationships" xmlns:p="http://schemas.openxmlformats.org/presentationml/2006/main">
   <p:cSld>
     <p:spTree>
       <p:nvGrpSpPr>
@@ -6656,6 +6422,11 @@
               </a:rPr>
               <a:t>Copyright © 2021 by Elephant Scale, All Rights Reserved</a:t>
             </a:r>
+            <a:endParaRPr sz="800">
+              <a:solidFill>
+                <a:srgbClr val="000000"/>
+              </a:solidFill>
+            </a:endParaRPr>
           </a:p>
         </p:txBody>
       </p:sp>
@@ -6667,8 +6438,8 @@
 </p:sld>
 </file>
 
-<file path=ppt/slides/slide26.xml><?xml version="1.0" encoding="utf-8"?>
-<p:sld xmlns:a="http://schemas.openxmlformats.org/drawingml/2006/main" xmlns:p="http://schemas.openxmlformats.org/presentationml/2006/main" xmlns:r="http://schemas.openxmlformats.org/officeDocument/2006/relationships">
+<file path=ppt/slides/slide24.xml><?xml version="1.0" encoding="utf-8"?>
+<p:sld xmlns:a="http://schemas.openxmlformats.org/drawingml/2006/main" xmlns:r="http://schemas.openxmlformats.org/officeDocument/2006/relationships" xmlns:p="http://schemas.openxmlformats.org/presentationml/2006/main">
   <p:cSld>
     <p:spTree>
       <p:nvGrpSpPr>
@@ -6766,6 +6537,11 @@
               </a:rPr>
               <a:t>Copyright © 2021 by Elephant Scale, All Rights Reserved</a:t>
             </a:r>
+            <a:endParaRPr sz="800">
+              <a:solidFill>
+                <a:srgbClr val="000000"/>
+              </a:solidFill>
+            </a:endParaRPr>
           </a:p>
         </p:txBody>
       </p:sp>
@@ -6777,8 +6553,8 @@
 </p:sld>
 </file>
 
-<file path=ppt/slides/slide27.xml><?xml version="1.0" encoding="utf-8"?>
-<p:sld xmlns:a="http://schemas.openxmlformats.org/drawingml/2006/main" xmlns:p="http://schemas.openxmlformats.org/presentationml/2006/main" xmlns:r="http://schemas.openxmlformats.org/officeDocument/2006/relationships">
+<file path=ppt/slides/slide25.xml><?xml version="1.0" encoding="utf-8"?>
+<p:sld xmlns:a="http://schemas.openxmlformats.org/drawingml/2006/main" xmlns:r="http://schemas.openxmlformats.org/officeDocument/2006/relationships" xmlns:p="http://schemas.openxmlformats.org/presentationml/2006/main">
   <p:cSld>
     <p:spTree>
       <p:nvGrpSpPr>
@@ -6892,6 +6668,11 @@
               </a:rPr>
               <a:t>Copyright © 2021 by Elephant Scale, All Rights Reserved</a:t>
             </a:r>
+            <a:endParaRPr sz="800">
+              <a:solidFill>
+                <a:srgbClr val="000000"/>
+              </a:solidFill>
+            </a:endParaRPr>
           </a:p>
         </p:txBody>
       </p:sp>
@@ -6903,8 +6684,8 @@
 </p:sld>
 </file>
 
-<file path=ppt/slides/slide28.xml><?xml version="1.0" encoding="utf-8"?>
-<p:sld xmlns:a="http://schemas.openxmlformats.org/drawingml/2006/main" xmlns:p="http://schemas.openxmlformats.org/presentationml/2006/main" xmlns:r="http://schemas.openxmlformats.org/officeDocument/2006/relationships">
+<file path=ppt/slides/slide26.xml><?xml version="1.0" encoding="utf-8"?>
+<p:sld xmlns:a="http://schemas.openxmlformats.org/drawingml/2006/main" xmlns:r="http://schemas.openxmlformats.org/officeDocument/2006/relationships" xmlns:p="http://schemas.openxmlformats.org/presentationml/2006/main">
   <p:cSld>
     <p:spTree>
       <p:nvGrpSpPr>
@@ -6984,6 +6765,11 @@
               </a:rPr>
               <a:t>Copyright © 2021 by Elephant Scale, All Rights Reserved</a:t>
             </a:r>
+            <a:endParaRPr sz="800">
+              <a:solidFill>
+                <a:srgbClr val="000000"/>
+              </a:solidFill>
+            </a:endParaRPr>
           </a:p>
         </p:txBody>
       </p:sp>
@@ -6996,14 +6782,14 @@
           <p:nvPr/>
         </p:nvPicPr>
         <p:blipFill>
-          <a:blip r:embed="rId2"/>
+          <a:blip r:embed="rId1"/>
           <a:stretch>
             <a:fillRect/>
           </a:stretch>
         </p:blipFill>
         <p:spPr>
           <a:xfrm>
-            <a:off x="704088" y="914400"/>
+            <a:off x="234823" y="1405890"/>
             <a:ext cx="8839200" cy="1917700"/>
           </a:xfrm>
           <a:prstGeom prst="rect">
@@ -7019,8 +6805,8 @@
 </p:sld>
 </file>
 
-<file path=ppt/slides/slide29.xml><?xml version="1.0" encoding="utf-8"?>
-<p:sld xmlns:a="http://schemas.openxmlformats.org/drawingml/2006/main" xmlns:p="http://schemas.openxmlformats.org/presentationml/2006/main" xmlns:r="http://schemas.openxmlformats.org/officeDocument/2006/relationships">
+<file path=ppt/slides/slide27.xml><?xml version="1.0" encoding="utf-8"?>
+<p:sld xmlns:a="http://schemas.openxmlformats.org/drawingml/2006/main" xmlns:r="http://schemas.openxmlformats.org/officeDocument/2006/relationships" xmlns:p="http://schemas.openxmlformats.org/presentationml/2006/main">
   <p:cSld>
     <p:spTree>
       <p:nvGrpSpPr>
@@ -7110,6 +6896,11 @@
               </a:rPr>
               <a:t>Copyright © 2021 by Elephant Scale, All Rights Reserved</a:t>
             </a:r>
+            <a:endParaRPr sz="800">
+              <a:solidFill>
+                <a:srgbClr val="000000"/>
+              </a:solidFill>
+            </a:endParaRPr>
           </a:p>
         </p:txBody>
       </p:sp>
@@ -7122,7 +6913,7 @@
           <p:nvPr/>
         </p:nvPicPr>
         <p:blipFill>
-          <a:blip r:embed="rId2"/>
+          <a:blip r:embed="rId1"/>
           <a:stretch>
             <a:fillRect/>
           </a:stretch>
@@ -7145,8 +6936,8 @@
 </p:sld>
 </file>
 
-<file path=ppt/slides/slide3.xml><?xml version="1.0" encoding="utf-8"?>
-<p:sld xmlns:a="http://schemas.openxmlformats.org/drawingml/2006/main" xmlns:p="http://schemas.openxmlformats.org/presentationml/2006/main" xmlns:r="http://schemas.openxmlformats.org/officeDocument/2006/relationships">
+<file path=ppt/slides/slide28.xml><?xml version="1.0" encoding="utf-8"?>
+<p:sld xmlns:a="http://schemas.openxmlformats.org/drawingml/2006/main" xmlns:r="http://schemas.openxmlformats.org/officeDocument/2006/relationships" xmlns:p="http://schemas.openxmlformats.org/presentationml/2006/main">
   <p:cSld>
     <p:spTree>
       <p:nvGrpSpPr>
@@ -7171,7 +6962,7 @@
           <a:lstStyle/>
           <a:p>
             <a:r>
-              <a:t>Monolith</a:t>
+              <a:t>Performance standby node(s)</a:t>
             </a:r>
           </a:p>
         </p:txBody>
@@ -7190,10 +6981,29 @@
         <p:txBody>
           <a:bodyPr/>
           <a:lstStyle/>
-          <a:p/>
-          <a:p/>
-          <a:p/>
-          <a:p/>
+          <a:p>
+            <a:r>
+              <a:t> In Vault Enterprise</a:t>
+            </a:r>
+          </a:p>
+          <a:p>
+            <a:pPr lvl="1"/>
+            <a:r>
+              <a:t> To discover the performance standby node(s)</a:t>
+            </a:r>
+          </a:p>
+          <a:p>
+            <a:pPr lvl="1"/>
+            <a:r>
+              <a:t> client can</a:t>
+            </a:r>
+            <a:r>
+              <a:t> query Consul for the DNS name</a:t>
+            </a:r>
+            <a:r>
+              <a:t> </a:t>
+            </a:r>
+          </a:p>
           <a:p/>
         </p:txBody>
       </p:sp>
@@ -7227,6 +7037,249 @@
               </a:rPr>
               <a:t>Copyright © 2021 by Elephant Scale, All Rights Reserved</a:t>
             </a:r>
+            <a:endParaRPr sz="800">
+              <a:solidFill>
+                <a:srgbClr val="000000"/>
+              </a:solidFill>
+            </a:endParaRPr>
+          </a:p>
+        </p:txBody>
+      </p:sp>
+      <p:pic>
+        <p:nvPicPr>
+          <p:cNvPr id="5" name="Picture 4" descr="1.png"/>
+          <p:cNvPicPr>
+            <a:picLocks noChangeAspect="1"/>
+          </p:cNvPicPr>
+          <p:nvPr/>
+        </p:nvPicPr>
+        <p:blipFill>
+          <a:blip r:embed="rId1"/>
+          <a:stretch>
+            <a:fillRect/>
+          </a:stretch>
+        </p:blipFill>
+        <p:spPr>
+          <a:xfrm>
+            <a:off x="0" y="2231136"/>
+            <a:ext cx="6807200" cy="520700"/>
+          </a:xfrm>
+          <a:prstGeom prst="rect">
+            <a:avLst/>
+          </a:prstGeom>
+        </p:spPr>
+      </p:pic>
+    </p:spTree>
+  </p:cSld>
+  <p:clrMapOvr>
+    <a:masterClrMapping/>
+  </p:clrMapOvr>
+</p:sld>
+</file>
+
+<file path=ppt/slides/slide29.xml><?xml version="1.0" encoding="utf-8"?>
+<p:sld xmlns:a="http://schemas.openxmlformats.org/drawingml/2006/main" xmlns:r="http://schemas.openxmlformats.org/officeDocument/2006/relationships" xmlns:p="http://schemas.openxmlformats.org/presentationml/2006/main">
+  <p:cSld>
+    <p:spTree>
+      <p:nvGrpSpPr>
+        <p:cNvPr id="1" name=""/>
+        <p:cNvGrpSpPr/>
+        <p:nvPr/>
+      </p:nvGrpSpPr>
+      <p:grpSpPr/>
+      <p:sp>
+        <p:nvSpPr>
+          <p:cNvPr id="2" name="Subtitle 1"/>
+          <p:cNvSpPr>
+            <a:spLocks noGrp="1"/>
+          </p:cNvSpPr>
+          <p:nvPr>
+            <p:ph type="subTitle" sz="quarter" idx="1"/>
+          </p:nvPr>
+        </p:nvSpPr>
+        <p:spPr/>
+        <p:txBody>
+          <a:bodyPr/>
+          <a:lstStyle/>
+          <a:p>
+            <a:pPr>
+              <a:defRPr sz="3200"/>
+            </a:pPr>
+            <a:r>
+              <a:t>Consul overview
+</a:t>
+            </a:r>
+            <a:r>
+              <a:t>Microservices
+</a:t>
+            </a:r>
+            <a:r>
+              <a:t>Consul for Service Discovery
+</a:t>
+            </a:r>
+            <a:r>
+              <a:rPr b="1"/>
+              <a:t>Terraform integration
+</a:t>
+            </a:r>
+            <a:endParaRPr b="1"/>
+          </a:p>
+        </p:txBody>
+      </p:sp>
+      <p:sp>
+        <p:nvSpPr>
+          <p:cNvPr id="3" name="Title 2"/>
+          <p:cNvSpPr>
+            <a:spLocks noGrp="1"/>
+          </p:cNvSpPr>
+          <p:nvPr>
+            <p:ph type="ctrTitle" sz="quarter"/>
+          </p:nvPr>
+        </p:nvSpPr>
+        <p:spPr/>
+        <p:txBody>
+          <a:bodyPr/>
+          <a:lstStyle/>
+          <a:p>
+            <a:r>
+              <a:t>Terraform integration</a:t>
+            </a:r>
+          </a:p>
+        </p:txBody>
+      </p:sp>
+      <p:sp>
+        <p:nvSpPr>
+          <p:cNvPr id="4" name="TextBox 3"/>
+          <p:cNvSpPr txBox="1"/>
+          <p:nvPr/>
+        </p:nvSpPr>
+        <p:spPr>
+          <a:xfrm>
+            <a:off x="704088" y="8065008"/>
+            <a:ext cx="8915400" cy="228600"/>
+          </a:xfrm>
+          <a:prstGeom prst="rect">
+            <a:avLst/>
+          </a:prstGeom>
+          <a:noFill/>
+        </p:spPr>
+        <p:txBody>
+          <a:bodyPr wrap="none">
+            <a:spAutoFit/>
+          </a:bodyPr>
+          <a:lstStyle/>
+          <a:p>
+            <a:r>
+              <a:rPr sz="800">
+                <a:solidFill>
+                  <a:srgbClr val="000000"/>
+                </a:solidFill>
+              </a:rPr>
+              <a:t>Copyright © 2021 by Elephant Scale, All Rights Reserved</a:t>
+            </a:r>
+            <a:endParaRPr sz="800">
+              <a:solidFill>
+                <a:srgbClr val="000000"/>
+              </a:solidFill>
+            </a:endParaRPr>
+          </a:p>
+        </p:txBody>
+      </p:sp>
+    </p:spTree>
+  </p:cSld>
+  <p:clrMapOvr>
+    <a:masterClrMapping/>
+  </p:clrMapOvr>
+</p:sld>
+</file>
+
+<file path=ppt/slides/slide3.xml><?xml version="1.0" encoding="utf-8"?>
+<p:sld xmlns:a="http://schemas.openxmlformats.org/drawingml/2006/main" xmlns:r="http://schemas.openxmlformats.org/officeDocument/2006/relationships" xmlns:p="http://schemas.openxmlformats.org/presentationml/2006/main">
+  <p:cSld>
+    <p:spTree>
+      <p:nvGrpSpPr>
+        <p:cNvPr id="1" name=""/>
+        <p:cNvGrpSpPr/>
+        <p:nvPr/>
+      </p:nvGrpSpPr>
+      <p:grpSpPr/>
+      <p:sp>
+        <p:nvSpPr>
+          <p:cNvPr id="2" name="Title 1"/>
+          <p:cNvSpPr>
+            <a:spLocks noGrp="1"/>
+          </p:cNvSpPr>
+          <p:nvPr>
+            <p:ph type="title"/>
+          </p:nvPr>
+        </p:nvSpPr>
+        <p:spPr/>
+        <p:txBody>
+          <a:bodyPr/>
+          <a:lstStyle/>
+          <a:p>
+            <a:r>
+              <a:t>Monolith</a:t>
+            </a:r>
+          </a:p>
+        </p:txBody>
+      </p:sp>
+      <p:sp>
+        <p:nvSpPr>
+          <p:cNvPr id="3" name="Content Placeholder 2"/>
+          <p:cNvSpPr>
+            <a:spLocks noGrp="1"/>
+          </p:cNvSpPr>
+          <p:nvPr>
+            <p:ph idx="1"/>
+          </p:nvPr>
+        </p:nvSpPr>
+        <p:spPr/>
+        <p:txBody>
+          <a:bodyPr/>
+          <a:lstStyle/>
+          <a:p/>
+          <a:p/>
+          <a:p/>
+          <a:p/>
+          <a:p/>
+        </p:txBody>
+      </p:sp>
+      <p:sp>
+        <p:nvSpPr>
+          <p:cNvPr id="4" name="TextBox 3"/>
+          <p:cNvSpPr txBox="1"/>
+          <p:nvPr/>
+        </p:nvSpPr>
+        <p:spPr>
+          <a:xfrm>
+            <a:off x="704088" y="8065008"/>
+            <a:ext cx="8915400" cy="228600"/>
+          </a:xfrm>
+          <a:prstGeom prst="rect">
+            <a:avLst/>
+          </a:prstGeom>
+          <a:noFill/>
+        </p:spPr>
+        <p:txBody>
+          <a:bodyPr wrap="none">
+            <a:spAutoFit/>
+          </a:bodyPr>
+          <a:lstStyle/>
+          <a:p>
+            <a:r>
+              <a:rPr sz="800">
+                <a:solidFill>
+                  <a:srgbClr val="000000"/>
+                </a:solidFill>
+              </a:rPr>
+              <a:t>Copyright © 2021 by Elephant Scale, All Rights Reserved</a:t>
+            </a:r>
+            <a:endParaRPr sz="800">
+              <a:solidFill>
+                <a:srgbClr val="000000"/>
+              </a:solidFill>
+            </a:endParaRPr>
           </a:p>
         </p:txBody>
       </p:sp>
@@ -7239,7 +7292,7 @@
           <p:nvPr/>
         </p:nvPicPr>
         <p:blipFill>
-          <a:blip r:embed="rId2"/>
+          <a:blip r:embed="rId1"/>
           <a:stretch>
             <a:fillRect/>
           </a:stretch>
@@ -7263,7 +7316,7 @@
 </file>
 
 <file path=ppt/slides/slide30.xml><?xml version="1.0" encoding="utf-8"?>
-<p:sld xmlns:a="http://schemas.openxmlformats.org/drawingml/2006/main" xmlns:p="http://schemas.openxmlformats.org/presentationml/2006/main" xmlns:r="http://schemas.openxmlformats.org/officeDocument/2006/relationships">
+<p:sld xmlns:a="http://schemas.openxmlformats.org/drawingml/2006/main" xmlns:r="http://schemas.openxmlformats.org/officeDocument/2006/relationships" xmlns:p="http://schemas.openxmlformats.org/presentationml/2006/main">
   <p:cSld>
     <p:spTree>
       <p:nvGrpSpPr>
@@ -7288,7 +7341,7 @@
           <a:lstStyle/>
           <a:p>
             <a:r>
-              <a:t>Performance standby node(s)</a:t>
+              <a:t>Terraform and Vault</a:t>
             </a:r>
           </a:p>
         </p:txBody>
@@ -7307,29 +7360,19 @@
         <p:txBody>
           <a:bodyPr/>
           <a:lstStyle/>
-          <a:p>
-            <a:r>
-              <a:t> In Vault Enterprise</a:t>
-            </a:r>
-          </a:p>
-          <a:p>
-            <a:pPr lvl="1"/>
-            <a:r>
-              <a:t> To discover the performance standby node(s)</a:t>
-            </a:r>
-          </a:p>
-          <a:p>
-            <a:pPr lvl="1"/>
-            <a:r>
-              <a:t> client can</a:t>
-            </a:r>
-            <a:r>
-              <a:t> query Consul for the DNS name</a:t>
-            </a:r>
-            <a:r>
-              <a:t> </a:t>
-            </a:r>
-          </a:p>
+          <a:p/>
+          <a:p/>
+          <a:p/>
+          <a:p/>
+          <a:p/>
+          <a:p/>
+          <a:p/>
+          <a:p/>
+          <a:p/>
+          <a:p/>
+          <a:p/>
+          <a:p/>
+          <a:p/>
           <a:p/>
         </p:txBody>
       </p:sp>
@@ -7363,250 +7406,11 @@
               </a:rPr>
               <a:t>Copyright © 2021 by Elephant Scale, All Rights Reserved</a:t>
             </a:r>
-          </a:p>
-        </p:txBody>
-      </p:sp>
-      <p:pic>
-        <p:nvPicPr>
-          <p:cNvPr id="5" name="Picture 4" descr="1.png"/>
-          <p:cNvPicPr>
-            <a:picLocks noChangeAspect="1"/>
-          </p:cNvPicPr>
-          <p:nvPr/>
-        </p:nvPicPr>
-        <p:blipFill>
-          <a:blip r:embed="rId2"/>
-          <a:stretch>
-            <a:fillRect/>
-          </a:stretch>
-        </p:blipFill>
-        <p:spPr>
-          <a:xfrm>
-            <a:off x="0" y="2231136"/>
-            <a:ext cx="6807200" cy="520700"/>
-          </a:xfrm>
-          <a:prstGeom prst="rect">
-            <a:avLst/>
-          </a:prstGeom>
-        </p:spPr>
-      </p:pic>
-    </p:spTree>
-  </p:cSld>
-  <p:clrMapOvr>
-    <a:masterClrMapping/>
-  </p:clrMapOvr>
-</p:sld>
-</file>
-
-<file path=ppt/slides/slide31.xml><?xml version="1.0" encoding="utf-8"?>
-<p:sld xmlns:a="http://schemas.openxmlformats.org/drawingml/2006/main" xmlns:p="http://schemas.openxmlformats.org/presentationml/2006/main" xmlns:r="http://schemas.openxmlformats.org/officeDocument/2006/relationships">
-  <p:cSld>
-    <p:spTree>
-      <p:nvGrpSpPr>
-        <p:cNvPr id="1" name=""/>
-        <p:cNvGrpSpPr/>
-        <p:nvPr/>
-      </p:nvGrpSpPr>
-      <p:grpSpPr/>
-      <p:sp>
-        <p:nvSpPr>
-          <p:cNvPr id="2" name="Subtitle 1"/>
-          <p:cNvSpPr>
-            <a:spLocks noGrp="1"/>
-          </p:cNvSpPr>
-          <p:nvPr>
-            <p:ph type="subTitle" idx="1" sz="quarter"/>
-          </p:nvPr>
-        </p:nvSpPr>
-        <p:spPr/>
-        <p:txBody>
-          <a:bodyPr/>
-          <a:lstStyle/>
-          <a:p>
-            <a:pPr>
-              <a:defRPr sz="3200"/>
-            </a:pPr>
-            <a:r>
-              <a:t>Consul overview
-</a:t>
-            </a:r>
-            <a:r>
-              <a:t>Microservices
-</a:t>
-            </a:r>
-            <a:r>
-              <a:t>Consul for Service Discovery
-</a:t>
-            </a:r>
-            <a:r>
-              <a:rPr b="1"/>
-              <a:t>Terraform integration
-</a:t>
-            </a:r>
-          </a:p>
-        </p:txBody>
-      </p:sp>
-      <p:sp>
-        <p:nvSpPr>
-          <p:cNvPr id="3" name="Title 2"/>
-          <p:cNvSpPr>
-            <a:spLocks noGrp="1"/>
-          </p:cNvSpPr>
-          <p:nvPr>
-            <p:ph type="ctrTitle" sz="quarter"/>
-          </p:nvPr>
-        </p:nvSpPr>
-        <p:spPr/>
-        <p:txBody>
-          <a:bodyPr wrap="square">
-            <a:noAutofit/>
-          </a:bodyPr>
-          <a:lstStyle/>
-          <a:p>
-            <a:r>
-              <a:rPr sz="4200" b="1" i="0">
-                <a:latin typeface="Times New Roman"/>
-              </a:rPr>
-              <a:t>Terraform integration</a:t>
-            </a:r>
-            <a:endParaRPr sz="4200" b="1" i="0">
-              <a:latin typeface="Times New Roman"/>
+            <a:endParaRPr sz="800">
+              <a:solidFill>
+                <a:srgbClr val="000000"/>
+              </a:solidFill>
             </a:endParaRPr>
-          </a:p>
-        </p:txBody>
-      </p:sp>
-      <p:sp>
-        <p:nvSpPr>
-          <p:cNvPr id="4" name="TextBox 3"/>
-          <p:cNvSpPr txBox="1"/>
-          <p:nvPr/>
-        </p:nvSpPr>
-        <p:spPr>
-          <a:xfrm>
-            <a:off x="704088" y="8065008"/>
-            <a:ext cx="8915400" cy="228600"/>
-          </a:xfrm>
-          <a:prstGeom prst="rect">
-            <a:avLst/>
-          </a:prstGeom>
-          <a:noFill/>
-        </p:spPr>
-        <p:txBody>
-          <a:bodyPr wrap="none">
-            <a:spAutoFit/>
-          </a:bodyPr>
-          <a:lstStyle/>
-          <a:p>
-            <a:r>
-              <a:rPr sz="800">
-                <a:solidFill>
-                  <a:srgbClr val="000000"/>
-                </a:solidFill>
-              </a:rPr>
-              <a:t>Copyright © 2021 by Elephant Scale, All Rights Reserved</a:t>
-            </a:r>
-          </a:p>
-        </p:txBody>
-      </p:sp>
-    </p:spTree>
-  </p:cSld>
-  <p:clrMapOvr>
-    <a:masterClrMapping/>
-  </p:clrMapOvr>
-</p:sld>
-</file>
-
-<file path=ppt/slides/slide32.xml><?xml version="1.0" encoding="utf-8"?>
-<p:sld xmlns:a="http://schemas.openxmlformats.org/drawingml/2006/main" xmlns:p="http://schemas.openxmlformats.org/presentationml/2006/main" xmlns:r="http://schemas.openxmlformats.org/officeDocument/2006/relationships">
-  <p:cSld>
-    <p:spTree>
-      <p:nvGrpSpPr>
-        <p:cNvPr id="1" name=""/>
-        <p:cNvGrpSpPr/>
-        <p:nvPr/>
-      </p:nvGrpSpPr>
-      <p:grpSpPr/>
-      <p:sp>
-        <p:nvSpPr>
-          <p:cNvPr id="2" name="Title 1"/>
-          <p:cNvSpPr>
-            <a:spLocks noGrp="1"/>
-          </p:cNvSpPr>
-          <p:nvPr>
-            <p:ph type="title"/>
-          </p:nvPr>
-        </p:nvSpPr>
-        <p:spPr/>
-        <p:txBody>
-          <a:bodyPr/>
-          <a:lstStyle/>
-          <a:p>
-            <a:r>
-              <a:t>Terraform and Vault</a:t>
-            </a:r>
-          </a:p>
-        </p:txBody>
-      </p:sp>
-      <p:sp>
-        <p:nvSpPr>
-          <p:cNvPr id="3" name="Content Placeholder 2"/>
-          <p:cNvSpPr>
-            <a:spLocks noGrp="1"/>
-          </p:cNvSpPr>
-          <p:nvPr>
-            <p:ph idx="1"/>
-          </p:nvPr>
-        </p:nvSpPr>
-        <p:spPr/>
-        <p:txBody>
-          <a:bodyPr/>
-          <a:lstStyle/>
-          <a:p/>
-          <a:p/>
-          <a:p/>
-          <a:p/>
-          <a:p/>
-          <a:p/>
-          <a:p/>
-          <a:p/>
-          <a:p/>
-          <a:p/>
-          <a:p/>
-          <a:p/>
-          <a:p/>
-          <a:p/>
-        </p:txBody>
-      </p:sp>
-      <p:sp>
-        <p:nvSpPr>
-          <p:cNvPr id="4" name="TextBox 3"/>
-          <p:cNvSpPr txBox="1"/>
-          <p:nvPr/>
-        </p:nvSpPr>
-        <p:spPr>
-          <a:xfrm>
-            <a:off x="704088" y="8065008"/>
-            <a:ext cx="8915400" cy="228600"/>
-          </a:xfrm>
-          <a:prstGeom prst="rect">
-            <a:avLst/>
-          </a:prstGeom>
-          <a:noFill/>
-        </p:spPr>
-        <p:txBody>
-          <a:bodyPr wrap="none">
-            <a:spAutoFit/>
-          </a:bodyPr>
-          <a:lstStyle/>
-          <a:p>
-            <a:r>
-              <a:rPr sz="800">
-                <a:solidFill>
-                  <a:srgbClr val="000000"/>
-                </a:solidFill>
-              </a:rPr>
-              <a:t>Copyright © 2021 by Elephant Scale, All Rights Reserved</a:t>
-            </a:r>
           </a:p>
         </p:txBody>
       </p:sp>
@@ -7619,7 +7423,7 @@
           <p:nvPr/>
         </p:nvPicPr>
         <p:blipFill>
-          <a:blip r:embed="rId2"/>
+          <a:blip r:embed="rId1"/>
           <a:stretch>
             <a:fillRect/>
           </a:stretch>
@@ -7642,8 +7446,8 @@
 </p:sld>
 </file>
 
-<file path=ppt/slides/slide33.xml><?xml version="1.0" encoding="utf-8"?>
-<p:sld xmlns:a="http://schemas.openxmlformats.org/drawingml/2006/main" xmlns:p="http://schemas.openxmlformats.org/presentationml/2006/main" xmlns:r="http://schemas.openxmlformats.org/officeDocument/2006/relationships">
+<file path=ppt/slides/slide31.xml><?xml version="1.0" encoding="utf-8"?>
+<p:sld xmlns:a="http://schemas.openxmlformats.org/drawingml/2006/main" xmlns:r="http://schemas.openxmlformats.org/officeDocument/2006/relationships" xmlns:p="http://schemas.openxmlformats.org/presentationml/2006/main">
   <p:cSld>
     <p:spTree>
       <p:nvGrpSpPr>
@@ -7734,6 +7538,11 @@
               </a:rPr>
               <a:t>Copyright © 2021 by Elephant Scale, All Rights Reserved</a:t>
             </a:r>
+            <a:endParaRPr sz="800">
+              <a:solidFill>
+                <a:srgbClr val="000000"/>
+              </a:solidFill>
+            </a:endParaRPr>
           </a:p>
         </p:txBody>
       </p:sp>
@@ -7745,8 +7554,8 @@
 </p:sld>
 </file>
 
-<file path=ppt/slides/slide34.xml><?xml version="1.0" encoding="utf-8"?>
-<p:sld xmlns:a="http://schemas.openxmlformats.org/drawingml/2006/main" xmlns:p="http://schemas.openxmlformats.org/presentationml/2006/main" xmlns:r="http://schemas.openxmlformats.org/officeDocument/2006/relationships">
+<file path=ppt/slides/slide32.xml><?xml version="1.0" encoding="utf-8"?>
+<p:sld xmlns:a="http://schemas.openxmlformats.org/drawingml/2006/main" xmlns:r="http://schemas.openxmlformats.org/officeDocument/2006/relationships" xmlns:p="http://schemas.openxmlformats.org/presentationml/2006/main">
   <p:cSld>
     <p:spTree>
       <p:nvGrpSpPr>
@@ -7863,6 +7672,11 @@
               </a:rPr>
               <a:t>Copyright © 2021 by Elephant Scale, All Rights Reserved</a:t>
             </a:r>
+            <a:endParaRPr sz="800">
+              <a:solidFill>
+                <a:srgbClr val="000000"/>
+              </a:solidFill>
+            </a:endParaRPr>
           </a:p>
         </p:txBody>
       </p:sp>
@@ -7874,8 +7688,8 @@
 </p:sld>
 </file>
 
-<file path=ppt/slides/slide35.xml><?xml version="1.0" encoding="utf-8"?>
-<p:sld xmlns:a="http://schemas.openxmlformats.org/drawingml/2006/main" xmlns:p="http://schemas.openxmlformats.org/presentationml/2006/main" xmlns:r="http://schemas.openxmlformats.org/officeDocument/2006/relationships">
+<file path=ppt/slides/slide33.xml><?xml version="1.0" encoding="utf-8"?>
+<p:sld xmlns:a="http://schemas.openxmlformats.org/drawingml/2006/main" xmlns:r="http://schemas.openxmlformats.org/officeDocument/2006/relationships" xmlns:p="http://schemas.openxmlformats.org/presentationml/2006/main">
   <p:cSld>
     <p:spTree>
       <p:nvGrpSpPr>
@@ -7985,6 +7799,11 @@
               </a:rPr>
               <a:t>Copyright © 2021 by Elephant Scale, All Rights Reserved</a:t>
             </a:r>
+            <a:endParaRPr sz="800">
+              <a:solidFill>
+                <a:srgbClr val="000000"/>
+              </a:solidFill>
+            </a:endParaRPr>
           </a:p>
         </p:txBody>
       </p:sp>
@@ -7996,8 +7815,8 @@
 </p:sld>
 </file>
 
-<file path=ppt/slides/slide36.xml><?xml version="1.0" encoding="utf-8"?>
-<p:sld xmlns:a="http://schemas.openxmlformats.org/drawingml/2006/main" xmlns:p="http://schemas.openxmlformats.org/presentationml/2006/main" xmlns:r="http://schemas.openxmlformats.org/officeDocument/2006/relationships">
+<file path=ppt/slides/slide34.xml><?xml version="1.0" encoding="utf-8"?>
+<p:sld xmlns:a="http://schemas.openxmlformats.org/drawingml/2006/main" xmlns:r="http://schemas.openxmlformats.org/officeDocument/2006/relationships" xmlns:p="http://schemas.openxmlformats.org/presentationml/2006/main">
   <p:cSld>
     <p:spTree>
       <p:nvGrpSpPr>
@@ -8096,6 +7915,11 @@
               </a:rPr>
               <a:t>Copyright © 2021 by Elephant Scale, All Rights Reserved</a:t>
             </a:r>
+            <a:endParaRPr sz="800">
+              <a:solidFill>
+                <a:srgbClr val="000000"/>
+              </a:solidFill>
+            </a:endParaRPr>
           </a:p>
         </p:txBody>
       </p:sp>
@@ -8108,7 +7932,7 @@
           <p:nvPr/>
         </p:nvPicPr>
         <p:blipFill>
-          <a:blip r:embed="rId2"/>
+          <a:blip r:embed="rId1"/>
           <a:stretch>
             <a:fillRect/>
           </a:stretch>
@@ -8131,8 +7955,8 @@
 </p:sld>
 </file>
 
-<file path=ppt/slides/slide37.xml><?xml version="1.0" encoding="utf-8"?>
-<p:sld xmlns:a="http://schemas.openxmlformats.org/drawingml/2006/main" xmlns:p="http://schemas.openxmlformats.org/presentationml/2006/main" xmlns:r="http://schemas.openxmlformats.org/officeDocument/2006/relationships">
+<file path=ppt/slides/slide35.xml><?xml version="1.0" encoding="utf-8"?>
+<p:sld xmlns:a="http://schemas.openxmlformats.org/drawingml/2006/main" xmlns:r="http://schemas.openxmlformats.org/officeDocument/2006/relationships" xmlns:p="http://schemas.openxmlformats.org/presentationml/2006/main">
   <p:cSld>
     <p:spTree>
       <p:nvGrpSpPr>
@@ -8254,6 +8078,11 @@
               </a:rPr>
               <a:t>Copyright © 2021 by Elephant Scale, All Rights Reserved</a:t>
             </a:r>
+            <a:endParaRPr sz="800">
+              <a:solidFill>
+                <a:srgbClr val="000000"/>
+              </a:solidFill>
+            </a:endParaRPr>
           </a:p>
         </p:txBody>
       </p:sp>
@@ -8265,8 +8094,8 @@
 </p:sld>
 </file>
 
-<file path=ppt/slides/slide38.xml><?xml version="1.0" encoding="utf-8"?>
-<p:sld xmlns:a="http://schemas.openxmlformats.org/drawingml/2006/main" xmlns:p="http://schemas.openxmlformats.org/presentationml/2006/main" xmlns:r="http://schemas.openxmlformats.org/officeDocument/2006/relationships">
+<file path=ppt/slides/slide36.xml><?xml version="1.0" encoding="utf-8"?>
+<p:sld xmlns:a="http://schemas.openxmlformats.org/drawingml/2006/main" xmlns:r="http://schemas.openxmlformats.org/officeDocument/2006/relationships" xmlns:p="http://schemas.openxmlformats.org/presentationml/2006/main">
   <p:cSld>
     <p:spTree>
       <p:nvGrpSpPr>
@@ -8369,6 +8198,11 @@
               </a:rPr>
               <a:t>Copyright © 2021 by Elephant Scale, All Rights Reserved</a:t>
             </a:r>
+            <a:endParaRPr sz="800">
+              <a:solidFill>
+                <a:srgbClr val="000000"/>
+              </a:solidFill>
+            </a:endParaRPr>
           </a:p>
         </p:txBody>
       </p:sp>
@@ -8380,8 +8214,8 @@
 </p:sld>
 </file>
 
-<file path=ppt/slides/slide39.xml><?xml version="1.0" encoding="utf-8"?>
-<p:sld xmlns:a="http://schemas.openxmlformats.org/drawingml/2006/main" xmlns:p="http://schemas.openxmlformats.org/presentationml/2006/main" xmlns:r="http://schemas.openxmlformats.org/officeDocument/2006/relationships">
+<file path=ppt/slides/slide37.xml><?xml version="1.0" encoding="utf-8"?>
+<p:sld xmlns:a="http://schemas.openxmlformats.org/drawingml/2006/main" xmlns:r="http://schemas.openxmlformats.org/officeDocument/2006/relationships" xmlns:p="http://schemas.openxmlformats.org/presentationml/2006/main">
   <p:cSld>
     <p:spTree>
       <p:nvGrpSpPr>
@@ -8514,6 +8348,11 @@
               </a:rPr>
               <a:t>Copyright © 2021 by Elephant Scale, All Rights Reserved</a:t>
             </a:r>
+            <a:endParaRPr sz="800">
+              <a:solidFill>
+                <a:srgbClr val="000000"/>
+              </a:solidFill>
+            </a:endParaRPr>
           </a:p>
         </p:txBody>
       </p:sp>
@@ -8525,8 +8364,8 @@
 </p:sld>
 </file>
 
-<file path=ppt/slides/slide4.xml><?xml version="1.0" encoding="utf-8"?>
-<p:sld xmlns:a="http://schemas.openxmlformats.org/drawingml/2006/main" xmlns:p="http://schemas.openxmlformats.org/presentationml/2006/main" xmlns:r="http://schemas.openxmlformats.org/officeDocument/2006/relationships">
+<file path=ppt/slides/slide38.xml><?xml version="1.0" encoding="utf-8"?>
+<p:sld xmlns:a="http://schemas.openxmlformats.org/drawingml/2006/main" xmlns:r="http://schemas.openxmlformats.org/officeDocument/2006/relationships" xmlns:p="http://schemas.openxmlformats.org/presentationml/2006/main">
   <p:cSld>
     <p:spTree>
       <p:nvGrpSpPr>
@@ -8551,7 +8390,7 @@
           <a:lstStyle/>
           <a:p>
             <a:r>
-              <a:t>Microservices</a:t>
+              <a:t>Reliability solution</a:t>
             </a:r>
           </a:p>
         </p:txBody>
@@ -8570,6 +8409,8 @@
         <p:txBody>
           <a:bodyPr/>
           <a:lstStyle/>
+          <a:p/>
+          <a:p/>
           <a:p/>
           <a:p/>
           <a:p/>
@@ -8608,6 +8449,262 @@
               </a:rPr>
               <a:t>Copyright © 2021 by Elephant Scale, All Rights Reserved</a:t>
             </a:r>
+            <a:endParaRPr sz="800">
+              <a:solidFill>
+                <a:srgbClr val="000000"/>
+              </a:solidFill>
+            </a:endParaRPr>
+          </a:p>
+        </p:txBody>
+      </p:sp>
+      <p:pic>
+        <p:nvPicPr>
+          <p:cNvPr id="5" name="Picture 4" descr="consul-04.png"/>
+          <p:cNvPicPr>
+            <a:picLocks noChangeAspect="1"/>
+          </p:cNvPicPr>
+          <p:nvPr/>
+        </p:nvPicPr>
+        <p:blipFill>
+          <a:blip r:embed="rId1"/>
+          <a:stretch>
+            <a:fillRect/>
+          </a:stretch>
+        </p:blipFill>
+        <p:spPr>
+          <a:xfrm>
+            <a:off x="37973" y="1101090"/>
+            <a:ext cx="8788400" cy="4610100"/>
+          </a:xfrm>
+          <a:prstGeom prst="rect">
+            <a:avLst/>
+          </a:prstGeom>
+        </p:spPr>
+      </p:pic>
+    </p:spTree>
+  </p:cSld>
+  <p:clrMapOvr>
+    <a:masterClrMapping/>
+  </p:clrMapOvr>
+</p:sld>
+</file>
+
+<file path=ppt/slides/slide39.xml><?xml version="1.0" encoding="utf-8"?>
+<p:sld xmlns:a="http://schemas.openxmlformats.org/drawingml/2006/main" xmlns:r="http://schemas.openxmlformats.org/officeDocument/2006/relationships" xmlns:p="http://schemas.openxmlformats.org/presentationml/2006/main">
+  <p:cSld>
+    <p:spTree>
+      <p:nvGrpSpPr>
+        <p:cNvPr id="1" name=""/>
+        <p:cNvGrpSpPr/>
+        <p:nvPr/>
+      </p:nvGrpSpPr>
+      <p:grpSpPr/>
+      <p:sp>
+        <p:nvSpPr>
+          <p:cNvPr id="2" name="Title 1"/>
+          <p:cNvSpPr>
+            <a:spLocks noGrp="1"/>
+          </p:cNvSpPr>
+          <p:nvPr>
+            <p:ph type="title"/>
+          </p:nvPr>
+        </p:nvSpPr>
+        <p:spPr/>
+        <p:txBody>
+          <a:bodyPr/>
+          <a:lstStyle/>
+          <a:p>
+            <a:r>
+              <a:t>More with Consul</a:t>
+            </a:r>
+          </a:p>
+        </p:txBody>
+      </p:sp>
+      <p:sp>
+        <p:nvSpPr>
+          <p:cNvPr id="3" name="Content Placeholder 2"/>
+          <p:cNvSpPr>
+            <a:spLocks noGrp="1"/>
+          </p:cNvSpPr>
+          <p:nvPr>
+            <p:ph idx="1"/>
+          </p:nvPr>
+        </p:nvSpPr>
+        <p:spPr/>
+        <p:txBody>
+          <a:bodyPr/>
+          <a:lstStyle/>
+          <a:p>
+            <a:r>
+              <a:t> Now that we know the basics, what is next? Perfect your skills in the following areas:</a:t>
+            </a:r>
+          </a:p>
+          <a:p>
+            <a:pPr lvl="1"/>
+            <a:r>
+              <a:t> Consul Service Mesh</a:t>
+            </a:r>
+          </a:p>
+          <a:p>
+            <a:pPr lvl="1"/>
+            <a:r>
+              <a:t> Create a datacenter with Consul Docker containers as the agents</a:t>
+            </a:r>
+          </a:p>
+          <a:p>
+            <a:pPr lvl="1"/>
+            <a:r>
+              <a:t> Learn how to deploy Consul on Kubernetes</a:t>
+            </a:r>
+          </a:p>
+          <a:p>
+            <a:pPr lvl="1"/>
+            <a:r>
+              <a:t> Deploy HashiCorp Consul Service on Azure</a:t>
+            </a:r>
+          </a:p>
+          <a:p>
+            <a:pPr lvl="1"/>
+            <a:r>
+              <a:t> Secure Nomad jobs with Consul service mesh</a:t>
+            </a:r>
+          </a:p>
+        </p:txBody>
+      </p:sp>
+      <p:sp>
+        <p:nvSpPr>
+          <p:cNvPr id="4" name="TextBox 3"/>
+          <p:cNvSpPr txBox="1"/>
+          <p:nvPr/>
+        </p:nvSpPr>
+        <p:spPr>
+          <a:xfrm>
+            <a:off x="704088" y="8065008"/>
+            <a:ext cx="8915400" cy="228600"/>
+          </a:xfrm>
+          <a:prstGeom prst="rect">
+            <a:avLst/>
+          </a:prstGeom>
+          <a:noFill/>
+        </p:spPr>
+        <p:txBody>
+          <a:bodyPr wrap="none">
+            <a:spAutoFit/>
+          </a:bodyPr>
+          <a:lstStyle/>
+          <a:p>
+            <a:r>
+              <a:rPr sz="800">
+                <a:solidFill>
+                  <a:srgbClr val="000000"/>
+                </a:solidFill>
+              </a:rPr>
+              <a:t>Copyright © 2021 by Elephant Scale, All Rights Reserved</a:t>
+            </a:r>
+            <a:endParaRPr sz="800">
+              <a:solidFill>
+                <a:srgbClr val="000000"/>
+              </a:solidFill>
+            </a:endParaRPr>
+          </a:p>
+        </p:txBody>
+      </p:sp>
+    </p:spTree>
+  </p:cSld>
+  <p:clrMapOvr>
+    <a:masterClrMapping/>
+  </p:clrMapOvr>
+</p:sld>
+</file>
+
+<file path=ppt/slides/slide4.xml><?xml version="1.0" encoding="utf-8"?>
+<p:sld xmlns:a="http://schemas.openxmlformats.org/drawingml/2006/main" xmlns:r="http://schemas.openxmlformats.org/officeDocument/2006/relationships" xmlns:p="http://schemas.openxmlformats.org/presentationml/2006/main">
+  <p:cSld>
+    <p:spTree>
+      <p:nvGrpSpPr>
+        <p:cNvPr id="1" name=""/>
+        <p:cNvGrpSpPr/>
+        <p:nvPr/>
+      </p:nvGrpSpPr>
+      <p:grpSpPr/>
+      <p:sp>
+        <p:nvSpPr>
+          <p:cNvPr id="2" name="Title 1"/>
+          <p:cNvSpPr>
+            <a:spLocks noGrp="1"/>
+          </p:cNvSpPr>
+          <p:nvPr>
+            <p:ph type="title"/>
+          </p:nvPr>
+        </p:nvSpPr>
+        <p:spPr/>
+        <p:txBody>
+          <a:bodyPr/>
+          <a:lstStyle/>
+          <a:p>
+            <a:r>
+              <a:t>Microservices</a:t>
+            </a:r>
+          </a:p>
+        </p:txBody>
+      </p:sp>
+      <p:sp>
+        <p:nvSpPr>
+          <p:cNvPr id="3" name="Content Placeholder 2"/>
+          <p:cNvSpPr>
+            <a:spLocks noGrp="1"/>
+          </p:cNvSpPr>
+          <p:nvPr>
+            <p:ph idx="1"/>
+          </p:nvPr>
+        </p:nvSpPr>
+        <p:spPr/>
+        <p:txBody>
+          <a:bodyPr/>
+          <a:lstStyle/>
+          <a:p/>
+          <a:p/>
+          <a:p/>
+          <a:p/>
+          <a:p/>
+          <a:p/>
+        </p:txBody>
+      </p:sp>
+      <p:sp>
+        <p:nvSpPr>
+          <p:cNvPr id="4" name="TextBox 3"/>
+          <p:cNvSpPr txBox="1"/>
+          <p:nvPr/>
+        </p:nvSpPr>
+        <p:spPr>
+          <a:xfrm>
+            <a:off x="704088" y="8065008"/>
+            <a:ext cx="8915400" cy="228600"/>
+          </a:xfrm>
+          <a:prstGeom prst="rect">
+            <a:avLst/>
+          </a:prstGeom>
+          <a:noFill/>
+        </p:spPr>
+        <p:txBody>
+          <a:bodyPr wrap="none">
+            <a:spAutoFit/>
+          </a:bodyPr>
+          <a:lstStyle/>
+          <a:p>
+            <a:r>
+              <a:rPr sz="800">
+                <a:solidFill>
+                  <a:srgbClr val="000000"/>
+                </a:solidFill>
+              </a:rPr>
+              <a:t>Copyright © 2021 by Elephant Scale, All Rights Reserved</a:t>
+            </a:r>
+            <a:endParaRPr sz="800">
+              <a:solidFill>
+                <a:srgbClr val="000000"/>
+              </a:solidFill>
+            </a:endParaRPr>
           </a:p>
         </p:txBody>
       </p:sp>
@@ -8620,7 +8717,7 @@
           <p:nvPr/>
         </p:nvPicPr>
         <p:blipFill>
-          <a:blip r:embed="rId2"/>
+          <a:blip r:embed="rId1"/>
           <a:stretch>
             <a:fillRect/>
           </a:stretch>
@@ -8643,8 +8740,8 @@
 </p:sld>
 </file>
 
-<file path=ppt/slides/slide40.xml><?xml version="1.0" encoding="utf-8"?>
-<p:sld xmlns:a="http://schemas.openxmlformats.org/drawingml/2006/main" xmlns:p="http://schemas.openxmlformats.org/presentationml/2006/main" xmlns:r="http://schemas.openxmlformats.org/officeDocument/2006/relationships">
+<file path=ppt/slides/slide5.xml><?xml version="1.0" encoding="utf-8"?>
+<p:sld xmlns:a="http://schemas.openxmlformats.org/drawingml/2006/main" xmlns:r="http://schemas.openxmlformats.org/officeDocument/2006/relationships" xmlns:p="http://schemas.openxmlformats.org/presentationml/2006/main">
   <p:cSld>
     <p:spTree>
       <p:nvGrpSpPr>
@@ -8669,7 +8766,7 @@
           <a:lstStyle/>
           <a:p>
             <a:r>
-              <a:t>Reliability solution</a:t>
+              <a:t>Discovery</a:t>
             </a:r>
           </a:p>
         </p:txBody>
@@ -8688,7 +8785,6 @@
         <p:txBody>
           <a:bodyPr/>
           <a:lstStyle/>
-          <a:p/>
           <a:p/>
           <a:p/>
           <a:p/>
@@ -8728,248 +8824,11 @@
               </a:rPr>
               <a:t>Copyright © 2021 by Elephant Scale, All Rights Reserved</a:t>
             </a:r>
-          </a:p>
-        </p:txBody>
-      </p:sp>
-      <p:pic>
-        <p:nvPicPr>
-          <p:cNvPr id="5" name="Picture 4" descr="consul-04.png"/>
-          <p:cNvPicPr>
-            <a:picLocks noChangeAspect="1"/>
-          </p:cNvPicPr>
-          <p:nvPr/>
-        </p:nvPicPr>
-        <p:blipFill>
-          <a:blip r:embed="rId2"/>
-          <a:stretch>
-            <a:fillRect/>
-          </a:stretch>
-        </p:blipFill>
-        <p:spPr>
-          <a:xfrm>
-            <a:off x="704088" y="914400"/>
-            <a:ext cx="8788400" cy="4610100"/>
-          </a:xfrm>
-          <a:prstGeom prst="rect">
-            <a:avLst/>
-          </a:prstGeom>
-        </p:spPr>
-      </p:pic>
-    </p:spTree>
-  </p:cSld>
-  <p:clrMapOvr>
-    <a:masterClrMapping/>
-  </p:clrMapOvr>
-</p:sld>
-</file>
-
-<file path=ppt/slides/slide41.xml><?xml version="1.0" encoding="utf-8"?>
-<p:sld xmlns:a="http://schemas.openxmlformats.org/drawingml/2006/main" xmlns:p="http://schemas.openxmlformats.org/presentationml/2006/main" xmlns:r="http://schemas.openxmlformats.org/officeDocument/2006/relationships">
-  <p:cSld>
-    <p:spTree>
-      <p:nvGrpSpPr>
-        <p:cNvPr id="1" name=""/>
-        <p:cNvGrpSpPr/>
-        <p:nvPr/>
-      </p:nvGrpSpPr>
-      <p:grpSpPr/>
-      <p:sp>
-        <p:nvSpPr>
-          <p:cNvPr id="2" name="Title 1"/>
-          <p:cNvSpPr>
-            <a:spLocks noGrp="1"/>
-          </p:cNvSpPr>
-          <p:nvPr>
-            <p:ph type="title"/>
-          </p:nvPr>
-        </p:nvSpPr>
-        <p:spPr/>
-        <p:txBody>
-          <a:bodyPr/>
-          <a:lstStyle/>
-          <a:p>
-            <a:r>
-              <a:t>More with Consul</a:t>
-            </a:r>
-          </a:p>
-        </p:txBody>
-      </p:sp>
-      <p:sp>
-        <p:nvSpPr>
-          <p:cNvPr id="3" name="Content Placeholder 2"/>
-          <p:cNvSpPr>
-            <a:spLocks noGrp="1"/>
-          </p:cNvSpPr>
-          <p:nvPr>
-            <p:ph idx="1"/>
-          </p:nvPr>
-        </p:nvSpPr>
-        <p:spPr/>
-        <p:txBody>
-          <a:bodyPr/>
-          <a:lstStyle/>
-          <a:p>
-            <a:r>
-              <a:t> Now that we know the basics, what is next? Perfect your skills in the following areas:</a:t>
-            </a:r>
-          </a:p>
-          <a:p>
-            <a:pPr lvl="1"/>
-            <a:r>
-              <a:t> Consul Service Mesh</a:t>
-            </a:r>
-          </a:p>
-          <a:p>
-            <a:pPr lvl="1"/>
-            <a:r>
-              <a:t> Create a datacenter with Consul Docker containers as the agents</a:t>
-            </a:r>
-          </a:p>
-          <a:p>
-            <a:pPr lvl="1"/>
-            <a:r>
-              <a:t> Learn how to deploy Consul on Kubernetes</a:t>
-            </a:r>
-          </a:p>
-          <a:p>
-            <a:pPr lvl="1"/>
-            <a:r>
-              <a:t> Deploy HashiCorp Consul Service on Azure</a:t>
-            </a:r>
-          </a:p>
-          <a:p>
-            <a:pPr lvl="1"/>
-            <a:r>
-              <a:t> Secure Nomad jobs with Consul service mesh</a:t>
-            </a:r>
-          </a:p>
-        </p:txBody>
-      </p:sp>
-      <p:sp>
-        <p:nvSpPr>
-          <p:cNvPr id="4" name="TextBox 3"/>
-          <p:cNvSpPr txBox="1"/>
-          <p:nvPr/>
-        </p:nvSpPr>
-        <p:spPr>
-          <a:xfrm>
-            <a:off x="704088" y="8065008"/>
-            <a:ext cx="8915400" cy="228600"/>
-          </a:xfrm>
-          <a:prstGeom prst="rect">
-            <a:avLst/>
-          </a:prstGeom>
-          <a:noFill/>
-        </p:spPr>
-        <p:txBody>
-          <a:bodyPr wrap="none">
-            <a:spAutoFit/>
-          </a:bodyPr>
-          <a:lstStyle/>
-          <a:p>
-            <a:r>
-              <a:rPr sz="800">
-                <a:solidFill>
-                  <a:srgbClr val="000000"/>
-                </a:solidFill>
-              </a:rPr>
-              <a:t>Copyright © 2021 by Elephant Scale, All Rights Reserved</a:t>
-            </a:r>
-          </a:p>
-        </p:txBody>
-      </p:sp>
-    </p:spTree>
-  </p:cSld>
-  <p:clrMapOvr>
-    <a:masterClrMapping/>
-  </p:clrMapOvr>
-</p:sld>
-</file>
-
-<file path=ppt/slides/slide5.xml><?xml version="1.0" encoding="utf-8"?>
-<p:sld xmlns:a="http://schemas.openxmlformats.org/drawingml/2006/main" xmlns:p="http://schemas.openxmlformats.org/presentationml/2006/main" xmlns:r="http://schemas.openxmlformats.org/officeDocument/2006/relationships">
-  <p:cSld>
-    <p:spTree>
-      <p:nvGrpSpPr>
-        <p:cNvPr id="1" name=""/>
-        <p:cNvGrpSpPr/>
-        <p:nvPr/>
-      </p:nvGrpSpPr>
-      <p:grpSpPr/>
-      <p:sp>
-        <p:nvSpPr>
-          <p:cNvPr id="2" name="Title 1"/>
-          <p:cNvSpPr>
-            <a:spLocks noGrp="1"/>
-          </p:cNvSpPr>
-          <p:nvPr>
-            <p:ph type="title"/>
-          </p:nvPr>
-        </p:nvSpPr>
-        <p:spPr/>
-        <p:txBody>
-          <a:bodyPr/>
-          <a:lstStyle/>
-          <a:p>
-            <a:r>
-              <a:t>Discovery</a:t>
-            </a:r>
-          </a:p>
-        </p:txBody>
-      </p:sp>
-      <p:sp>
-        <p:nvSpPr>
-          <p:cNvPr id="3" name="Content Placeholder 2"/>
-          <p:cNvSpPr>
-            <a:spLocks noGrp="1"/>
-          </p:cNvSpPr>
-          <p:nvPr>
-            <p:ph idx="1"/>
-          </p:nvPr>
-        </p:nvSpPr>
-        <p:spPr/>
-        <p:txBody>
-          <a:bodyPr/>
-          <a:lstStyle/>
-          <a:p/>
-          <a:p/>
-          <a:p/>
-          <a:p/>
-          <a:p/>
-          <a:p/>
-          <a:p/>
-        </p:txBody>
-      </p:sp>
-      <p:sp>
-        <p:nvSpPr>
-          <p:cNvPr id="4" name="TextBox 3"/>
-          <p:cNvSpPr txBox="1"/>
-          <p:nvPr/>
-        </p:nvSpPr>
-        <p:spPr>
-          <a:xfrm>
-            <a:off x="704088" y="8065008"/>
-            <a:ext cx="8915400" cy="228600"/>
-          </a:xfrm>
-          <a:prstGeom prst="rect">
-            <a:avLst/>
-          </a:prstGeom>
-          <a:noFill/>
-        </p:spPr>
-        <p:txBody>
-          <a:bodyPr wrap="none">
-            <a:spAutoFit/>
-          </a:bodyPr>
-          <a:lstStyle/>
-          <a:p>
-            <a:r>
-              <a:rPr sz="800">
-                <a:solidFill>
-                  <a:srgbClr val="000000"/>
-                </a:solidFill>
-              </a:rPr>
-              <a:t>Copyright © 2021 by Elephant Scale, All Rights Reserved</a:t>
-            </a:r>
+            <a:endParaRPr sz="800">
+              <a:solidFill>
+                <a:srgbClr val="000000"/>
+              </a:solidFill>
+            </a:endParaRPr>
           </a:p>
         </p:txBody>
       </p:sp>
@@ -8982,7 +8841,7 @@
           <p:nvPr/>
         </p:nvPicPr>
         <p:blipFill>
-          <a:blip r:embed="rId2"/>
+          <a:blip r:embed="rId1"/>
           <a:stretch>
             <a:fillRect/>
           </a:stretch>
@@ -9006,7 +8865,7 @@
 </file>
 
 <file path=ppt/slides/slide6.xml><?xml version="1.0" encoding="utf-8"?>
-<p:sld xmlns:a="http://schemas.openxmlformats.org/drawingml/2006/main" xmlns:p="http://schemas.openxmlformats.org/presentationml/2006/main" xmlns:r="http://schemas.openxmlformats.org/officeDocument/2006/relationships">
+<p:sld xmlns:a="http://schemas.openxmlformats.org/drawingml/2006/main" xmlns:r="http://schemas.openxmlformats.org/officeDocument/2006/relationships" xmlns:p="http://schemas.openxmlformats.org/presentationml/2006/main">
   <p:cSld>
     <p:spTree>
       <p:nvGrpSpPr>
@@ -9092,6 +8951,11 @@
               </a:rPr>
               <a:t>Copyright © 2021 by Elephant Scale, All Rights Reserved</a:t>
             </a:r>
+            <a:endParaRPr sz="800">
+              <a:solidFill>
+                <a:srgbClr val="000000"/>
+              </a:solidFill>
+            </a:endParaRPr>
           </a:p>
         </p:txBody>
       </p:sp>
@@ -9104,15 +8968,15 @@
           <p:nvPr/>
         </p:nvPicPr>
         <p:blipFill>
-          <a:blip r:embed="rId2"/>
+          <a:blip r:embed="rId1"/>
           <a:stretch>
             <a:fillRect/>
           </a:stretch>
         </p:blipFill>
         <p:spPr>
           <a:xfrm>
-            <a:off x="704088" y="914400"/>
-            <a:ext cx="10299700" cy="5448300"/>
+            <a:off x="704215" y="2146935"/>
+            <a:ext cx="7969250" cy="4215765"/>
           </a:xfrm>
           <a:prstGeom prst="rect">
             <a:avLst/>
@@ -9128,7 +8992,7 @@
 </file>
 
 <file path=ppt/slides/slide7.xml><?xml version="1.0" encoding="utf-8"?>
-<p:sld xmlns:a="http://schemas.openxmlformats.org/drawingml/2006/main" xmlns:p="http://schemas.openxmlformats.org/presentationml/2006/main" xmlns:r="http://schemas.openxmlformats.org/officeDocument/2006/relationships">
+<p:sld xmlns:a="http://schemas.openxmlformats.org/drawingml/2006/main" xmlns:r="http://schemas.openxmlformats.org/officeDocument/2006/relationships" xmlns:p="http://schemas.openxmlformats.org/presentationml/2006/main">
   <p:cSld>
     <p:spTree>
       <p:nvGrpSpPr>
@@ -9215,6 +9079,11 @@
               </a:rPr>
               <a:t>Copyright © 2021 by Elephant Scale, All Rights Reserved</a:t>
             </a:r>
+            <a:endParaRPr sz="800">
+              <a:solidFill>
+                <a:srgbClr val="000000"/>
+              </a:solidFill>
+            </a:endParaRPr>
           </a:p>
         </p:txBody>
       </p:sp>
@@ -9227,15 +9096,15 @@
           <p:nvPr/>
         </p:nvPicPr>
         <p:blipFill>
-          <a:blip r:embed="rId2"/>
+          <a:blip r:embed="rId1"/>
           <a:stretch>
             <a:fillRect/>
           </a:stretch>
         </p:blipFill>
         <p:spPr>
           <a:xfrm>
-            <a:off x="704088" y="914400"/>
-            <a:ext cx="10274300" cy="6299200"/>
+            <a:off x="704215" y="2221230"/>
+            <a:ext cx="8143240" cy="4992370"/>
           </a:xfrm>
           <a:prstGeom prst="rect">
             <a:avLst/>
@@ -9251,7 +9120,7 @@
 </file>
 
 <file path=ppt/slides/slide8.xml><?xml version="1.0" encoding="utf-8"?>
-<p:sld xmlns:a="http://schemas.openxmlformats.org/drawingml/2006/main" xmlns:p="http://schemas.openxmlformats.org/presentationml/2006/main" xmlns:r="http://schemas.openxmlformats.org/officeDocument/2006/relationships">
+<p:sld xmlns:a="http://schemas.openxmlformats.org/drawingml/2006/main" xmlns:r="http://schemas.openxmlformats.org/officeDocument/2006/relationships" xmlns:p="http://schemas.openxmlformats.org/presentationml/2006/main">
   <p:cSld>
     <p:spTree>
       <p:nvGrpSpPr>
@@ -9338,6 +9207,11 @@
               </a:rPr>
               <a:t>Copyright © 2021 by Elephant Scale, All Rights Reserved</a:t>
             </a:r>
+            <a:endParaRPr sz="800">
+              <a:solidFill>
+                <a:srgbClr val="000000"/>
+              </a:solidFill>
+            </a:endParaRPr>
           </a:p>
         </p:txBody>
       </p:sp>
@@ -9350,15 +9224,15 @@
           <p:nvPr/>
         </p:nvPicPr>
         <p:blipFill>
-          <a:blip r:embed="rId2"/>
+          <a:blip r:embed="rId1"/>
           <a:stretch>
             <a:fillRect/>
           </a:stretch>
         </p:blipFill>
         <p:spPr>
           <a:xfrm>
-            <a:off x="704088" y="914400"/>
-            <a:ext cx="10553700" cy="6362700"/>
+            <a:off x="723900" y="2308860"/>
+            <a:ext cx="8171180" cy="4926330"/>
           </a:xfrm>
           <a:prstGeom prst="rect">
             <a:avLst/>
@@ -9374,7 +9248,7 @@
 </file>
 
 <file path=ppt/slides/slide9.xml><?xml version="1.0" encoding="utf-8"?>
-<p:sld xmlns:a="http://schemas.openxmlformats.org/drawingml/2006/main" xmlns:p="http://schemas.openxmlformats.org/presentationml/2006/main" xmlns:r="http://schemas.openxmlformats.org/officeDocument/2006/relationships">
+<p:sld xmlns:a="http://schemas.openxmlformats.org/drawingml/2006/main" xmlns:r="http://schemas.openxmlformats.org/officeDocument/2006/relationships" xmlns:p="http://schemas.openxmlformats.org/presentationml/2006/main">
   <p:cSld>
     <p:spTree>
       <p:nvGrpSpPr>
@@ -9462,6 +9336,11 @@
               </a:rPr>
               <a:t>Copyright © 2021 by Elephant Scale, All Rights Reserved</a:t>
             </a:r>
+            <a:endParaRPr sz="800">
+              <a:solidFill>
+                <a:srgbClr val="000000"/>
+              </a:solidFill>
+            </a:endParaRPr>
           </a:p>
         </p:txBody>
       </p:sp>
@@ -9474,14 +9353,14 @@
           <p:nvPr/>
         </p:nvPicPr>
         <p:blipFill>
-          <a:blip r:embed="rId2"/>
+          <a:blip r:embed="rId1"/>
           <a:stretch>
             <a:fillRect/>
           </a:stretch>
         </p:blipFill>
         <p:spPr>
           <a:xfrm>
-            <a:off x="704088" y="914400"/>
+            <a:off x="704088" y="1101090"/>
             <a:ext cx="7915275" cy="5248275"/>
           </a:xfrm>
           <a:prstGeom prst="rect">
@@ -9740,13 +9619,8 @@
           <a:headEnd type="none" w="med" len="med"/>
           <a:tailEnd type="none" w="med" len="med"/>
         </a:ln>
-        <a:effectLst/>
       </a:spPr>
-      <a:bodyPr vert="horz" wrap="square" lIns="91440" tIns="45720" rIns="91440" bIns="45720" numCol="1" anchor="t" anchorCtr="0" compatLnSpc="1">
-        <a:prstTxWarp prst="textNoShape">
-          <a:avLst/>
-        </a:prstTxWarp>
-      </a:bodyPr>
+      <a:bodyPr vert="horz" wrap="square" lIns="91440" tIns="45720" rIns="91440" bIns="45720" numCol="1" anchor="t" anchorCtr="0" compatLnSpc="1"/>
       <a:lstStyle>
         <a:defPPr marL="0" marR="0" indent="0" algn="ctr" defTabSz="914400" rtl="0" eaLnBrk="1" fontAlgn="base" latinLnBrk="0" hangingPunct="1">
           <a:lnSpc>
@@ -9762,7 +9636,6 @@
           <a:buSzTx/>
           <a:buFontTx/>
           <a:buNone/>
-          <a:tabLst/>
           <a:defRPr kumimoji="0" lang="en-US" sz="1000" b="0" i="0" u="none" strike="noStrike" cap="none" normalizeH="0" baseline="0">
             <a:ln>
               <a:noFill/>
@@ -9771,7 +9644,7 @@
               <a:schemeClr val="tx1"/>
             </a:solidFill>
             <a:effectLst/>
-            <a:latin typeface="Garamond" pitchFamily="-110" charset="0"/>
+            <a:latin typeface="Garamond" pitchFamily="18" charset="0"/>
           </a:defRPr>
         </a:defPPr>
       </a:lstStyle>
@@ -9802,13 +9675,8 @@
           <a:headEnd type="none" w="med" len="med"/>
           <a:tailEnd type="none" w="med" len="med"/>
         </a:ln>
-        <a:effectLst/>
       </a:spPr>
-      <a:bodyPr vert="horz" wrap="square" lIns="91440" tIns="45720" rIns="91440" bIns="45720" numCol="1" anchor="t" anchorCtr="0" compatLnSpc="1">
-        <a:prstTxWarp prst="textNoShape">
-          <a:avLst/>
-        </a:prstTxWarp>
-      </a:bodyPr>
+      <a:bodyPr vert="horz" wrap="square" lIns="91440" tIns="45720" rIns="91440" bIns="45720" numCol="1" anchor="t" anchorCtr="0" compatLnSpc="1"/>
       <a:lstStyle>
         <a:defPPr marL="0" marR="0" indent="0" algn="ctr" defTabSz="914400" rtl="0" eaLnBrk="1" fontAlgn="base" latinLnBrk="0" hangingPunct="1">
           <a:lnSpc>
@@ -9824,7 +9692,6 @@
           <a:buSzTx/>
           <a:buFontTx/>
           <a:buNone/>
-          <a:tabLst/>
           <a:defRPr kumimoji="0" lang="en-US" sz="1000" b="0" i="0" u="none" strike="noStrike" cap="none" normalizeH="0" baseline="0">
             <a:ln>
               <a:noFill/>
@@ -9833,7 +9700,7 @@
               <a:schemeClr val="tx1"/>
             </a:solidFill>
             <a:effectLst/>
-            <a:latin typeface="Garamond" pitchFamily="-110" charset="0"/>
+            <a:latin typeface="Garamond" pitchFamily="18" charset="0"/>
           </a:defRPr>
         </a:defPPr>
       </a:lstStyle>
@@ -10128,6 +9995,11 @@
       <a:clrMap bg1="dk2" tx1="lt1" bg2="dk1" tx2="lt2" accent1="accent1" accent2="accent2" accent3="accent3" accent4="accent4" accent5="accent5" accent6="accent6" hlink="hlink" folHlink="folHlink"/>
     </a:extraClrScheme>
   </a:extraClrSchemeLst>
+  <a:extLst>
+    <a:ext uri="{05A4C25C-085E-4340-85A3-A5531E510DB2}">
+      <thm15:themeFamily xmlns:thm15="http://schemas.microsoft.com/office/thememl/2012/main" name="Office Theme" id="{62F939B6-93AF-4DB8-9C6B-D6C7DFDC589F}" vid="{4A3C46E8-61CC-4603-A589-7422A47A8E4A}"/>
+    </a:ext>
+  </a:extLst>
 </a:theme>
 </file>
 
@@ -10445,7 +10317,11 @@
       </a:style>
     </a:lnDef>
   </a:objectDefaults>
-  <a:extraClrSchemeLst/>
+  <a:extLst>
+    <a:ext uri="{05A4C25C-085E-4340-85A3-A5531E510DB2}">
+      <thm15:themeFamily xmlns:thm15="http://schemas.microsoft.com/office/thememl/2012/main" name="Office Theme" id="{62F939B6-93AF-4DB8-9C6B-D6C7DFDC589F}" vid="{4A3C46E8-61CC-4603-A589-7422A47A8E4A}"/>
+    </a:ext>
+  </a:extLst>
 </a:theme>
 </file>
 
@@ -10763,6 +10639,10 @@
       </a:style>
     </a:lnDef>
   </a:objectDefaults>
-  <a:extraClrSchemeLst/>
+  <a:extLst>
+    <a:ext uri="{05A4C25C-085E-4340-85A3-A5531E510DB2}">
+      <thm15:themeFamily xmlns:thm15="http://schemas.microsoft.com/office/thememl/2012/main" name="Office Theme" id="{62F939B6-93AF-4DB8-9C6B-D6C7DFDC589F}" vid="{4A3C46E8-61CC-4603-A589-7422A47A8E4A}"/>
+    </a:ext>
+  </a:extLst>
 </a:theme>
 </file>